--- a/PSql入门.pptx
+++ b/PSql入门.pptx
@@ -4,10 +4,28 @@
   <p:sldMasterIdLst>
     <p:sldMasterId id="2147483648" r:id="rId1"/>
   </p:sldMasterIdLst>
+  <p:notesMasterIdLst>
+    <p:notesMasterId r:id="rId11"/>
+  </p:notesMasterIdLst>
   <p:sldIdLst>
     <p:sldId id="256" r:id="rId3"/>
-    <p:sldId id="257" r:id="rId4"/>
-    <p:sldId id="258" r:id="rId5"/>
+    <p:sldId id="262" r:id="rId4"/>
+    <p:sldId id="263" r:id="rId5"/>
+    <p:sldId id="264" r:id="rId6"/>
+    <p:sldId id="261" r:id="rId7"/>
+    <p:sldId id="274" r:id="rId8"/>
+    <p:sldId id="265" r:id="rId9"/>
+    <p:sldId id="275" r:id="rId10"/>
+    <p:sldId id="260" r:id="rId12"/>
+    <p:sldId id="266" r:id="rId13"/>
+    <p:sldId id="267" r:id="rId14"/>
+    <p:sldId id="268" r:id="rId15"/>
+    <p:sldId id="284" r:id="rId16"/>
+    <p:sldId id="285" r:id="rId17"/>
+    <p:sldId id="286" r:id="rId18"/>
+    <p:sldId id="287" r:id="rId19"/>
+    <p:sldId id="259" r:id="rId20"/>
+    <p:sldId id="257" r:id="rId21"/>
   </p:sldIdLst>
   <p:sldSz cx="12192000" cy="6858000"/>
   <p:notesSz cx="6858000" cy="9144000"/>
@@ -107,6 +125,397 @@
     </a:lvl9pPr>
   </p:defaultTextStyle>
 </p:presentation>
+</file>
+
+<file path=ppt/notesMasters/notesMaster1.xml><?xml version="1.0" encoding="utf-8"?>
+<p:notesMaster xmlns:a="http://schemas.openxmlformats.org/drawingml/2006/main" xmlns:r="http://schemas.openxmlformats.org/officeDocument/2006/relationships" xmlns:p="http://schemas.openxmlformats.org/presentationml/2006/main">
+  <p:cSld>
+    <p:bg>
+      <p:bgRef idx="1001">
+        <a:schemeClr val="bg1"/>
+      </p:bgRef>
+    </p:bg>
+    <p:spTree>
+      <p:nvGrpSpPr>
+        <p:cNvPr id="1" name=""/>
+        <p:cNvGrpSpPr/>
+        <p:nvPr/>
+      </p:nvGrpSpPr>
+      <p:grpSpPr>
+        <a:xfrm>
+          <a:off x="0" y="0"/>
+          <a:ext cx="0" cy="0"/>
+          <a:chOff x="0" y="0"/>
+          <a:chExt cx="0" cy="0"/>
+        </a:xfrm>
+      </p:grpSpPr>
+      <p:sp>
+        <p:nvSpPr>
+          <p:cNvPr id="2" name="页眉占位符 1"/>
+          <p:cNvSpPr>
+            <a:spLocks noGrp="1"/>
+          </p:cNvSpPr>
+          <p:nvPr>
+            <p:ph type="hdr" sz="quarter"/>
+          </p:nvPr>
+        </p:nvSpPr>
+        <p:spPr>
+          <a:xfrm>
+            <a:off x="0" y="0"/>
+            <a:ext cx="2971800" cy="458788"/>
+          </a:xfrm>
+          <a:prstGeom prst="rect">
+            <a:avLst/>
+          </a:prstGeom>
+        </p:spPr>
+        <p:txBody>
+          <a:bodyPr vert="horz" lIns="91440" tIns="45720" rIns="91440" bIns="45720" rtlCol="0"/>
+          <a:lstStyle>
+            <a:lvl1pPr algn="l">
+              <a:defRPr sz="1200"/>
+            </a:lvl1pPr>
+          </a:lstStyle>
+          <a:p>
+            <a:endParaRPr lang="zh-CN" altLang="en-US"/>
+          </a:p>
+        </p:txBody>
+      </p:sp>
+      <p:sp>
+        <p:nvSpPr>
+          <p:cNvPr id="3" name="日期占位符 2"/>
+          <p:cNvSpPr>
+            <a:spLocks noGrp="1"/>
+          </p:cNvSpPr>
+          <p:nvPr>
+            <p:ph type="dt" idx="1"/>
+          </p:nvPr>
+        </p:nvSpPr>
+        <p:spPr>
+          <a:xfrm>
+            <a:off x="3884613" y="0"/>
+            <a:ext cx="2971800" cy="458788"/>
+          </a:xfrm>
+          <a:prstGeom prst="rect">
+            <a:avLst/>
+          </a:prstGeom>
+        </p:spPr>
+        <p:txBody>
+          <a:bodyPr vert="horz" lIns="91440" tIns="45720" rIns="91440" bIns="45720" rtlCol="0"/>
+          <a:lstStyle>
+            <a:lvl1pPr algn="r">
+              <a:defRPr sz="1200"/>
+            </a:lvl1pPr>
+          </a:lstStyle>
+          <a:p>
+            <a:fld id="{D2A48B96-639E-45A3-A0BA-2464DFDB1FAA}" type="datetimeFigureOut">
+              <a:rPr lang="zh-CN" altLang="en-US" smtClean="0"/>
+            </a:fld>
+            <a:endParaRPr lang="zh-CN" altLang="en-US"/>
+          </a:p>
+        </p:txBody>
+      </p:sp>
+      <p:sp>
+        <p:nvSpPr>
+          <p:cNvPr id="4" name="幻灯片图像占位符 3"/>
+          <p:cNvSpPr>
+            <a:spLocks noGrp="1" noRot="1" noChangeAspect="1"/>
+          </p:cNvSpPr>
+          <p:nvPr>
+            <p:ph type="sldImg" idx="2"/>
+          </p:nvPr>
+        </p:nvSpPr>
+        <p:spPr>
+          <a:xfrm>
+            <a:off x="685800" y="1143000"/>
+            <a:ext cx="5486400" cy="3086100"/>
+          </a:xfrm>
+          <a:prstGeom prst="rect">
+            <a:avLst/>
+          </a:prstGeom>
+          <a:noFill/>
+          <a:ln w="12700">
+            <a:solidFill>
+              <a:prstClr val="black"/>
+            </a:solidFill>
+          </a:ln>
+        </p:spPr>
+        <p:txBody>
+          <a:bodyPr vert="horz" lIns="91440" tIns="45720" rIns="91440" bIns="45720" rtlCol="0" anchor="ctr"/>
+          <a:lstStyle/>
+          <a:p>
+            <a:endParaRPr lang="zh-CN" altLang="en-US"/>
+          </a:p>
+        </p:txBody>
+      </p:sp>
+      <p:sp>
+        <p:nvSpPr>
+          <p:cNvPr id="5" name="备注占位符 4"/>
+          <p:cNvSpPr>
+            <a:spLocks noGrp="1"/>
+          </p:cNvSpPr>
+          <p:nvPr>
+            <p:ph type="body" sz="quarter" idx="3"/>
+          </p:nvPr>
+        </p:nvSpPr>
+        <p:spPr>
+          <a:xfrm>
+            <a:off x="685800" y="4400550"/>
+            <a:ext cx="5486400" cy="3600450"/>
+          </a:xfrm>
+          <a:prstGeom prst="rect">
+            <a:avLst/>
+          </a:prstGeom>
+        </p:spPr>
+        <p:txBody>
+          <a:bodyPr vert="horz" lIns="91440" tIns="45720" rIns="91440" bIns="45720" rtlCol="0"/>
+          <a:lstStyle/>
+          <a:p>
+            <a:pPr lvl="0"/>
+            <a:r>
+              <a:rPr lang="zh-CN" altLang="en-US" smtClean="0"/>
+              <a:t>单击此处编辑母版文本样式</a:t>
+            </a:r>
+            <a:endParaRPr lang="zh-CN" altLang="en-US" smtClean="0"/>
+          </a:p>
+          <a:p>
+            <a:pPr lvl="1"/>
+            <a:r>
+              <a:rPr lang="zh-CN" altLang="en-US" smtClean="0"/>
+              <a:t>第二级</a:t>
+            </a:r>
+            <a:endParaRPr lang="zh-CN" altLang="en-US" smtClean="0"/>
+          </a:p>
+          <a:p>
+            <a:pPr lvl="2"/>
+            <a:r>
+              <a:rPr lang="zh-CN" altLang="en-US" smtClean="0"/>
+              <a:t>第三级</a:t>
+            </a:r>
+            <a:endParaRPr lang="zh-CN" altLang="en-US" smtClean="0"/>
+          </a:p>
+          <a:p>
+            <a:pPr lvl="3"/>
+            <a:r>
+              <a:rPr lang="zh-CN" altLang="en-US" smtClean="0"/>
+              <a:t>第四级</a:t>
+            </a:r>
+            <a:endParaRPr lang="zh-CN" altLang="en-US" smtClean="0"/>
+          </a:p>
+          <a:p>
+            <a:pPr lvl="4"/>
+            <a:r>
+              <a:rPr lang="zh-CN" altLang="en-US" smtClean="0"/>
+              <a:t>第五级</a:t>
+            </a:r>
+            <a:endParaRPr lang="zh-CN" altLang="en-US"/>
+          </a:p>
+        </p:txBody>
+      </p:sp>
+      <p:sp>
+        <p:nvSpPr>
+          <p:cNvPr id="6" name="页脚占位符 5"/>
+          <p:cNvSpPr>
+            <a:spLocks noGrp="1"/>
+          </p:cNvSpPr>
+          <p:nvPr>
+            <p:ph type="ftr" sz="quarter" idx="4"/>
+          </p:nvPr>
+        </p:nvSpPr>
+        <p:spPr>
+          <a:xfrm>
+            <a:off x="0" y="8685213"/>
+            <a:ext cx="2971800" cy="458787"/>
+          </a:xfrm>
+          <a:prstGeom prst="rect">
+            <a:avLst/>
+          </a:prstGeom>
+        </p:spPr>
+        <p:txBody>
+          <a:bodyPr vert="horz" lIns="91440" tIns="45720" rIns="91440" bIns="45720" rtlCol="0" anchor="b"/>
+          <a:lstStyle>
+            <a:lvl1pPr algn="l">
+              <a:defRPr sz="1200"/>
+            </a:lvl1pPr>
+          </a:lstStyle>
+          <a:p>
+            <a:endParaRPr lang="zh-CN" altLang="en-US"/>
+          </a:p>
+        </p:txBody>
+      </p:sp>
+      <p:sp>
+        <p:nvSpPr>
+          <p:cNvPr id="7" name="灯片编号占位符 6"/>
+          <p:cNvSpPr>
+            <a:spLocks noGrp="1"/>
+          </p:cNvSpPr>
+          <p:nvPr>
+            <p:ph type="sldNum" sz="quarter" idx="5"/>
+          </p:nvPr>
+        </p:nvSpPr>
+        <p:spPr>
+          <a:xfrm>
+            <a:off x="3884613" y="8685213"/>
+            <a:ext cx="2971800" cy="458787"/>
+          </a:xfrm>
+          <a:prstGeom prst="rect">
+            <a:avLst/>
+          </a:prstGeom>
+        </p:spPr>
+        <p:txBody>
+          <a:bodyPr vert="horz" lIns="91440" tIns="45720" rIns="91440" bIns="45720" rtlCol="0" anchor="b"/>
+          <a:lstStyle>
+            <a:lvl1pPr algn="r">
+              <a:defRPr sz="1200"/>
+            </a:lvl1pPr>
+          </a:lstStyle>
+          <a:p>
+            <a:fld id="{A6837353-30EB-4A48-80EB-173D804AEFBD}" type="slidenum">
+              <a:rPr lang="zh-CN" altLang="en-US" smtClean="0"/>
+            </a:fld>
+            <a:endParaRPr lang="zh-CN" altLang="en-US"/>
+          </a:p>
+        </p:txBody>
+      </p:sp>
+    </p:spTree>
+  </p:cSld>
+  <p:clrMap bg1="lt1" tx1="dk1" bg2="lt2" tx2="dk2" accent1="accent1" accent2="accent2" accent3="accent3" accent4="accent4" accent5="accent5" accent6="accent6" hlink="hlink" folHlink="folHlink"/>
+  <p:notesStyle>
+    <a:lvl1pPr marL="0" algn="l" defTabSz="914400" rtl="0" eaLnBrk="1" latinLnBrk="0" hangingPunct="1">
+      <a:defRPr sz="1200" kern="1200">
+        <a:solidFill>
+          <a:schemeClr val="tx1"/>
+        </a:solidFill>
+        <a:latin typeface="+mn-lt"/>
+        <a:ea typeface="+mn-ea"/>
+        <a:cs typeface="+mn-cs"/>
+      </a:defRPr>
+    </a:lvl1pPr>
+    <a:lvl2pPr marL="457200" algn="l" defTabSz="914400" rtl="0" eaLnBrk="1" latinLnBrk="0" hangingPunct="1">
+      <a:defRPr sz="1200" kern="1200">
+        <a:solidFill>
+          <a:schemeClr val="tx1"/>
+        </a:solidFill>
+        <a:latin typeface="+mn-lt"/>
+        <a:ea typeface="+mn-ea"/>
+        <a:cs typeface="+mn-cs"/>
+      </a:defRPr>
+    </a:lvl2pPr>
+    <a:lvl3pPr marL="914400" algn="l" defTabSz="914400" rtl="0" eaLnBrk="1" latinLnBrk="0" hangingPunct="1">
+      <a:defRPr sz="1200" kern="1200">
+        <a:solidFill>
+          <a:schemeClr val="tx1"/>
+        </a:solidFill>
+        <a:latin typeface="+mn-lt"/>
+        <a:ea typeface="+mn-ea"/>
+        <a:cs typeface="+mn-cs"/>
+      </a:defRPr>
+    </a:lvl3pPr>
+    <a:lvl4pPr marL="1371600" algn="l" defTabSz="914400" rtl="0" eaLnBrk="1" latinLnBrk="0" hangingPunct="1">
+      <a:defRPr sz="1200" kern="1200">
+        <a:solidFill>
+          <a:schemeClr val="tx1"/>
+        </a:solidFill>
+        <a:latin typeface="+mn-lt"/>
+        <a:ea typeface="+mn-ea"/>
+        <a:cs typeface="+mn-cs"/>
+      </a:defRPr>
+    </a:lvl4pPr>
+    <a:lvl5pPr marL="1828800" algn="l" defTabSz="914400" rtl="0" eaLnBrk="1" latinLnBrk="0" hangingPunct="1">
+      <a:defRPr sz="1200" kern="1200">
+        <a:solidFill>
+          <a:schemeClr val="tx1"/>
+        </a:solidFill>
+        <a:latin typeface="+mn-lt"/>
+        <a:ea typeface="+mn-ea"/>
+        <a:cs typeface="+mn-cs"/>
+      </a:defRPr>
+    </a:lvl5pPr>
+    <a:lvl6pPr marL="2286000" algn="l" defTabSz="914400" rtl="0" eaLnBrk="1" latinLnBrk="0" hangingPunct="1">
+      <a:defRPr sz="1200" kern="1200">
+        <a:solidFill>
+          <a:schemeClr val="tx1"/>
+        </a:solidFill>
+        <a:latin typeface="+mn-lt"/>
+        <a:ea typeface="+mn-ea"/>
+        <a:cs typeface="+mn-cs"/>
+      </a:defRPr>
+    </a:lvl6pPr>
+    <a:lvl7pPr marL="2743200" algn="l" defTabSz="914400" rtl="0" eaLnBrk="1" latinLnBrk="0" hangingPunct="1">
+      <a:defRPr sz="1200" kern="1200">
+        <a:solidFill>
+          <a:schemeClr val="tx1"/>
+        </a:solidFill>
+        <a:latin typeface="+mn-lt"/>
+        <a:ea typeface="+mn-ea"/>
+        <a:cs typeface="+mn-cs"/>
+      </a:defRPr>
+    </a:lvl7pPr>
+    <a:lvl8pPr marL="3200400" algn="l" defTabSz="914400" rtl="0" eaLnBrk="1" latinLnBrk="0" hangingPunct="1">
+      <a:defRPr sz="1200" kern="1200">
+        <a:solidFill>
+          <a:schemeClr val="tx1"/>
+        </a:solidFill>
+        <a:latin typeface="+mn-lt"/>
+        <a:ea typeface="+mn-ea"/>
+        <a:cs typeface="+mn-cs"/>
+      </a:defRPr>
+    </a:lvl8pPr>
+    <a:lvl9pPr marL="3657600" algn="l" defTabSz="914400" rtl="0" eaLnBrk="1" latinLnBrk="0" hangingPunct="1">
+      <a:defRPr sz="1200" kern="1200">
+        <a:solidFill>
+          <a:schemeClr val="tx1"/>
+        </a:solidFill>
+        <a:latin typeface="+mn-lt"/>
+        <a:ea typeface="+mn-ea"/>
+        <a:cs typeface="+mn-cs"/>
+      </a:defRPr>
+    </a:lvl9pPr>
+  </p:notesStyle>
+</p:notesMaster>
+</file>
+
+<file path=ppt/notesSlides/notesSlide1.xml><?xml version="1.0" encoding="utf-8"?>
+<p:notes xmlns:a="http://schemas.openxmlformats.org/drawingml/2006/main" xmlns:r="http://schemas.openxmlformats.org/officeDocument/2006/relationships" xmlns:p="http://schemas.openxmlformats.org/presentationml/2006/main">
+  <p:cSld>
+    <p:spTree>
+      <p:nvGrpSpPr>
+        <p:cNvPr id="1" name=""/>
+        <p:cNvGrpSpPr/>
+        <p:nvPr/>
+      </p:nvGrpSpPr>
+      <p:grpSpPr/>
+      <p:sp>
+        <p:nvSpPr>
+          <p:cNvPr id="2" name="幻灯片图像占位符 1"/>
+          <p:cNvSpPr/>
+          <p:nvPr>
+            <p:ph type="sldImg" idx="2"/>
+          </p:nvPr>
+        </p:nvSpPr>
+        <p:spPr/>
+      </p:sp>
+      <p:sp>
+        <p:nvSpPr>
+          <p:cNvPr id="3" name="文本占位符 2"/>
+          <p:cNvSpPr/>
+          <p:nvPr>
+            <p:ph type="body" idx="3"/>
+          </p:nvPr>
+        </p:nvSpPr>
+        <p:spPr/>
+        <p:txBody>
+          <a:bodyPr/>
+          <a:p>
+            <a:endParaRPr lang="zh-CN" altLang="en-US"/>
+          </a:p>
+        </p:txBody>
+      </p:sp>
+    </p:spTree>
+  </p:cSld>
+  <p:clrMapOvr>
+    <a:masterClrMapping/>
+  </p:clrMapOvr>
+</p:notes>
 </file>
 
 <file path=ppt/slideLayouts/slideLayout1.xml><?xml version="1.0" encoding="utf-8"?>
@@ -5554,6 +5963,1273 @@
 </p:sld>
 </file>
 
+<file path=ppt/slides/slide10.xml><?xml version="1.0" encoding="utf-8"?>
+<p:sld xmlns:a="http://schemas.openxmlformats.org/drawingml/2006/main" xmlns:r="http://schemas.openxmlformats.org/officeDocument/2006/relationships" xmlns:p="http://schemas.openxmlformats.org/presentationml/2006/main">
+  <p:cSld>
+    <p:spTree>
+      <p:nvGrpSpPr>
+        <p:cNvPr id="1" name=""/>
+        <p:cNvGrpSpPr/>
+        <p:nvPr/>
+      </p:nvGrpSpPr>
+      <p:grpSpPr/>
+      <p:sp>
+        <p:nvSpPr>
+          <p:cNvPr id="2" name="标题 1"/>
+          <p:cNvSpPr>
+            <a:spLocks noGrp="1"/>
+          </p:cNvSpPr>
+          <p:nvPr>
+            <p:ph type="title"/>
+          </p:nvPr>
+        </p:nvSpPr>
+        <p:spPr/>
+        <p:txBody>
+          <a:bodyPr/>
+          <a:p>
+            <a:r>
+              <a:rPr lang="zh-CN" altLang="en-US"/>
+              <a:t>PostgreSQL 创建表</a:t>
+            </a:r>
+            <a:endParaRPr lang="zh-CN" altLang="en-US"/>
+          </a:p>
+        </p:txBody>
+      </p:sp>
+      <p:sp>
+        <p:nvSpPr>
+          <p:cNvPr id="3" name="内容占位符 2"/>
+          <p:cNvSpPr>
+            <a:spLocks noGrp="1"/>
+          </p:cNvSpPr>
+          <p:nvPr>
+            <p:ph idx="1"/>
+          </p:nvPr>
+        </p:nvSpPr>
+        <p:spPr/>
+        <p:txBody>
+          <a:bodyPr/>
+          <a:p>
+            <a:r>
+              <a:rPr lang="zh-CN" altLang="en-US"/>
+              <a:t>语法</a:t>
+            </a:r>
+            <a:endParaRPr lang="zh-CN" altLang="en-US"/>
+          </a:p>
+          <a:p>
+            <a:r>
+              <a:rPr lang="zh-CN" altLang="en-US"/>
+              <a:t>CREATE TABLE 语法格式如下：</a:t>
+            </a:r>
+            <a:endParaRPr lang="zh-CN" altLang="en-US"/>
+          </a:p>
+          <a:p>
+            <a:r>
+              <a:rPr lang="zh-CN" altLang="en-US"/>
+              <a:t>CREATE TABLE table_name(</a:t>
+            </a:r>
+            <a:endParaRPr lang="zh-CN" altLang="en-US"/>
+          </a:p>
+          <a:p>
+            <a:r>
+              <a:rPr lang="zh-CN" altLang="en-US"/>
+              <a:t>   column1 datatype,</a:t>
+            </a:r>
+            <a:endParaRPr lang="zh-CN" altLang="en-US"/>
+          </a:p>
+          <a:p>
+            <a:r>
+              <a:rPr lang="zh-CN" altLang="en-US"/>
+              <a:t>   column2 datatype,</a:t>
+            </a:r>
+            <a:endParaRPr lang="zh-CN" altLang="en-US"/>
+          </a:p>
+          <a:p>
+            <a:r>
+              <a:rPr lang="zh-CN" altLang="en-US"/>
+              <a:t>   column3 datatype,</a:t>
+            </a:r>
+            <a:endParaRPr lang="zh-CN" altLang="en-US"/>
+          </a:p>
+          <a:p>
+            <a:r>
+              <a:rPr lang="zh-CN" altLang="en-US"/>
+              <a:t>   .....</a:t>
+            </a:r>
+            <a:endParaRPr lang="zh-CN" altLang="en-US"/>
+          </a:p>
+          <a:p>
+            <a:r>
+              <a:rPr lang="zh-CN" altLang="en-US"/>
+              <a:t>   columnN datatype,</a:t>
+            </a:r>
+            <a:endParaRPr lang="zh-CN" altLang="en-US"/>
+          </a:p>
+          <a:p>
+            <a:r>
+              <a:rPr lang="zh-CN" altLang="en-US"/>
+              <a:t>   PRIMARY KEY( 一个或多个列 )</a:t>
+            </a:r>
+            <a:endParaRPr lang="zh-CN" altLang="en-US"/>
+          </a:p>
+          <a:p>
+            <a:r>
+              <a:rPr lang="zh-CN" altLang="en-US"/>
+              <a:t>);</a:t>
+            </a:r>
+            <a:endParaRPr lang="zh-CN" altLang="en-US"/>
+          </a:p>
+        </p:txBody>
+      </p:sp>
+    </p:spTree>
+  </p:cSld>
+  <p:clrMapOvr>
+    <a:masterClrMapping/>
+  </p:clrMapOvr>
+</p:sld>
+</file>
+
+<file path=ppt/slides/slide11.xml><?xml version="1.0" encoding="utf-8"?>
+<p:sld xmlns:a="http://schemas.openxmlformats.org/drawingml/2006/main" xmlns:r="http://schemas.openxmlformats.org/officeDocument/2006/relationships" xmlns:p="http://schemas.openxmlformats.org/presentationml/2006/main">
+  <p:cSld>
+    <p:spTree>
+      <p:nvGrpSpPr>
+        <p:cNvPr id="1" name=""/>
+        <p:cNvGrpSpPr/>
+        <p:nvPr/>
+      </p:nvGrpSpPr>
+      <p:grpSpPr/>
+      <p:sp>
+        <p:nvSpPr>
+          <p:cNvPr id="2" name="标题 1"/>
+          <p:cNvSpPr>
+            <a:spLocks noGrp="1"/>
+          </p:cNvSpPr>
+          <p:nvPr>
+            <p:ph type="title"/>
+          </p:nvPr>
+        </p:nvSpPr>
+        <p:spPr/>
+        <p:txBody>
+          <a:bodyPr/>
+          <a:p>
+            <a:r>
+              <a:rPr lang="zh-CN" altLang="en-US"/>
+              <a:t>PostgreSQL 创建表</a:t>
+            </a:r>
+            <a:endParaRPr lang="zh-CN" altLang="en-US"/>
+          </a:p>
+        </p:txBody>
+      </p:sp>
+      <p:sp>
+        <p:nvSpPr>
+          <p:cNvPr id="3" name="内容占位符 2"/>
+          <p:cNvSpPr>
+            <a:spLocks noGrp="1"/>
+          </p:cNvSpPr>
+          <p:nvPr>
+            <p:ph idx="1"/>
+          </p:nvPr>
+        </p:nvSpPr>
+        <p:spPr/>
+        <p:txBody>
+          <a:bodyPr/>
+          <a:p>
+            <a:r>
+              <a:rPr lang="zh-CN" altLang="en-US"/>
+              <a:t>实例</a:t>
+            </a:r>
+            <a:endParaRPr lang="zh-CN" altLang="en-US"/>
+          </a:p>
+          <a:p>
+            <a:r>
+              <a:rPr lang="zh-CN" altLang="en-US"/>
+              <a:t>以下创建了一个表，表名为 COMPANY 表格，主键为 ID，NOT NULL 表示字段不允许包含 NULL 值：</a:t>
+            </a:r>
+            <a:endParaRPr lang="zh-CN" altLang="en-US"/>
+          </a:p>
+          <a:p>
+            <a:endParaRPr lang="zh-CN" altLang="en-US"/>
+          </a:p>
+          <a:p>
+            <a:r>
+              <a:rPr lang="zh-CN" altLang="en-US"/>
+              <a:t>CREATE TABLE COMPANY(</a:t>
+            </a:r>
+            <a:endParaRPr lang="zh-CN" altLang="en-US"/>
+          </a:p>
+          <a:p>
+            <a:r>
+              <a:rPr lang="zh-CN" altLang="en-US"/>
+              <a:t>   ID INT PRIMARY KEY     NOT NULL,</a:t>
+            </a:r>
+            <a:endParaRPr lang="zh-CN" altLang="en-US"/>
+          </a:p>
+          <a:p>
+            <a:r>
+              <a:rPr lang="zh-CN" altLang="en-US"/>
+              <a:t>   NAME           TEXT    NOT NULL,</a:t>
+            </a:r>
+            <a:endParaRPr lang="zh-CN" altLang="en-US"/>
+          </a:p>
+          <a:p>
+            <a:r>
+              <a:rPr lang="zh-CN" altLang="en-US"/>
+              <a:t>   AGE            INT     NOT NULL,</a:t>
+            </a:r>
+            <a:endParaRPr lang="zh-CN" altLang="en-US"/>
+          </a:p>
+          <a:p>
+            <a:r>
+              <a:rPr lang="zh-CN" altLang="en-US"/>
+              <a:t>   ADDRESS        CHAR(50),</a:t>
+            </a:r>
+            <a:endParaRPr lang="zh-CN" altLang="en-US"/>
+          </a:p>
+          <a:p>
+            <a:r>
+              <a:rPr lang="zh-CN" altLang="en-US"/>
+              <a:t>   SALARY         REAL</a:t>
+            </a:r>
+            <a:endParaRPr lang="zh-CN" altLang="en-US"/>
+          </a:p>
+          <a:p>
+            <a:r>
+              <a:rPr lang="zh-CN" altLang="en-US"/>
+              <a:t>);</a:t>
+            </a:r>
+            <a:endParaRPr lang="zh-CN" altLang="en-US"/>
+          </a:p>
+          <a:p>
+            <a:endParaRPr lang="zh-CN" altLang="en-US"/>
+          </a:p>
+        </p:txBody>
+      </p:sp>
+    </p:spTree>
+  </p:cSld>
+  <p:clrMapOvr>
+    <a:masterClrMapping/>
+  </p:clrMapOvr>
+</p:sld>
+</file>
+
+<file path=ppt/slides/slide12.xml><?xml version="1.0" encoding="utf-8"?>
+<p:sld xmlns:a="http://schemas.openxmlformats.org/drawingml/2006/main" xmlns:r="http://schemas.openxmlformats.org/officeDocument/2006/relationships" xmlns:p="http://schemas.openxmlformats.org/presentationml/2006/main">
+  <p:cSld>
+    <p:spTree>
+      <p:nvGrpSpPr>
+        <p:cNvPr id="1" name=""/>
+        <p:cNvGrpSpPr/>
+        <p:nvPr/>
+      </p:nvGrpSpPr>
+      <p:grpSpPr/>
+      <p:sp>
+        <p:nvSpPr>
+          <p:cNvPr id="2" name="标题 1"/>
+          <p:cNvSpPr>
+            <a:spLocks noGrp="1"/>
+          </p:cNvSpPr>
+          <p:nvPr>
+            <p:ph type="title"/>
+          </p:nvPr>
+        </p:nvSpPr>
+        <p:spPr/>
+        <p:txBody>
+          <a:bodyPr/>
+          <a:p>
+            <a:r>
+              <a:rPr>
+                <a:sym typeface="+mn-ea"/>
+              </a:rPr>
+              <a:t>PostgreSQL 创建表</a:t>
+            </a:r>
+            <a:br>
+              <a:rPr lang="zh-CN" altLang="en-US"/>
+            </a:br>
+            <a:endParaRPr lang="zh-CN" altLang="en-US"/>
+          </a:p>
+        </p:txBody>
+      </p:sp>
+      <p:sp>
+        <p:nvSpPr>
+          <p:cNvPr id="3" name="内容占位符 2"/>
+          <p:cNvSpPr>
+            <a:spLocks noGrp="1"/>
+          </p:cNvSpPr>
+          <p:nvPr>
+            <p:ph idx="1"/>
+          </p:nvPr>
+        </p:nvSpPr>
+        <p:spPr/>
+        <p:txBody>
+          <a:bodyPr/>
+          <a:p>
+            <a:r>
+              <a:rPr>
+                <a:sym typeface="+mn-ea"/>
+              </a:rPr>
+              <a:t>接下来我们再创建一个表格，在后面章节会用到：</a:t>
+            </a:r>
+            <a:endParaRPr lang="zh-CN" altLang="en-US"/>
+          </a:p>
+          <a:p>
+            <a:endParaRPr lang="zh-CN" altLang="en-US"/>
+          </a:p>
+          <a:p>
+            <a:r>
+              <a:rPr>
+                <a:sym typeface="+mn-ea"/>
+              </a:rPr>
+              <a:t>CREATE TABLE DEPARTMENT(</a:t>
+            </a:r>
+            <a:endParaRPr lang="zh-CN" altLang="en-US"/>
+          </a:p>
+          <a:p>
+            <a:r>
+              <a:rPr>
+                <a:sym typeface="+mn-ea"/>
+              </a:rPr>
+              <a:t>   ID INT PRIMARY KEY      NOT NULL,</a:t>
+            </a:r>
+            <a:endParaRPr lang="zh-CN" altLang="en-US"/>
+          </a:p>
+          <a:p>
+            <a:r>
+              <a:rPr>
+                <a:sym typeface="+mn-ea"/>
+              </a:rPr>
+              <a:t>   DEPT           CHAR(50) NOT NULL,</a:t>
+            </a:r>
+            <a:endParaRPr lang="zh-CN" altLang="en-US"/>
+          </a:p>
+          <a:p>
+            <a:r>
+              <a:rPr>
+                <a:sym typeface="+mn-ea"/>
+              </a:rPr>
+              <a:t>   EMP_ID         INT      NOT NULL</a:t>
+            </a:r>
+            <a:endParaRPr lang="zh-CN" altLang="en-US"/>
+          </a:p>
+          <a:p>
+            <a:r>
+              <a:rPr>
+                <a:sym typeface="+mn-ea"/>
+              </a:rPr>
+              <a:t>);</a:t>
+            </a:r>
+            <a:endParaRPr lang="zh-CN" altLang="en-US"/>
+          </a:p>
+          <a:p>
+            <a:endParaRPr lang="zh-CN" altLang="en-US"/>
+          </a:p>
+          <a:p>
+            <a:r>
+              <a:rPr lang="zh-CN" altLang="en-US">
+                <a:solidFill>
+                  <a:srgbClr val="FF0000"/>
+                </a:solidFill>
+              </a:rPr>
+              <a:t>我们可以使用 \d 命令来查看表格是否创建成功</a:t>
+            </a:r>
+            <a:endParaRPr lang="zh-CN" altLang="en-US">
+              <a:solidFill>
+                <a:srgbClr val="FF0000"/>
+              </a:solidFill>
+            </a:endParaRPr>
+          </a:p>
+          <a:p>
+            <a:r>
+              <a:rPr lang="zh-CN" altLang="en-US">
+                <a:solidFill>
+                  <a:srgbClr val="FF0000"/>
+                </a:solidFill>
+              </a:rPr>
+              <a:t>\d tablename 查看表格信息：</a:t>
+            </a:r>
+            <a:endParaRPr lang="zh-CN" altLang="en-US">
+              <a:solidFill>
+                <a:srgbClr val="FF0000"/>
+              </a:solidFill>
+            </a:endParaRPr>
+          </a:p>
+          <a:p>
+            <a:r>
+              <a:rPr lang="zh-CN" altLang="en-US">
+                <a:solidFill>
+                  <a:srgbClr val="FF0000"/>
+                </a:solidFill>
+              </a:rPr>
+              <a:t>PostgreSQL 使用 DROP TABLE 语句来删除表格，包含表格数据、规则、触发器等，所以删除表格要慎重，删除后所有信息就消失了。</a:t>
+            </a:r>
+            <a:endParaRPr lang="zh-CN" altLang="en-US">
+              <a:solidFill>
+                <a:srgbClr val="FF0000"/>
+              </a:solidFill>
+            </a:endParaRPr>
+          </a:p>
+        </p:txBody>
+      </p:sp>
+    </p:spTree>
+  </p:cSld>
+  <p:clrMapOvr>
+    <a:masterClrMapping/>
+  </p:clrMapOvr>
+</p:sld>
+</file>
+
+<file path=ppt/slides/slide13.xml><?xml version="1.0" encoding="utf-8"?>
+<p:sld xmlns:a="http://schemas.openxmlformats.org/drawingml/2006/main" xmlns:r="http://schemas.openxmlformats.org/officeDocument/2006/relationships" xmlns:p="http://schemas.openxmlformats.org/presentationml/2006/main">
+  <p:cSld>
+    <p:spTree>
+      <p:nvGrpSpPr>
+        <p:cNvPr id="1" name=""/>
+        <p:cNvGrpSpPr/>
+        <p:nvPr/>
+      </p:nvGrpSpPr>
+      <p:grpSpPr/>
+      <p:sp>
+        <p:nvSpPr>
+          <p:cNvPr id="2" name="标题 1"/>
+          <p:cNvSpPr>
+            <a:spLocks noGrp="1"/>
+          </p:cNvSpPr>
+          <p:nvPr>
+            <p:ph type="title"/>
+          </p:nvPr>
+        </p:nvSpPr>
+        <p:spPr/>
+        <p:txBody>
+          <a:bodyPr/>
+          <a:p>
+            <a:r>
+              <a:rPr lang="en-US" altLang="zh-CN"/>
+              <a:t>SQL </a:t>
+            </a:r>
+            <a:r>
+              <a:t>基本语句</a:t>
+            </a:r>
+            <a:r>
+              <a:rPr lang="en-US" altLang="zh-CN"/>
+              <a:t>: INSERT</a:t>
+            </a:r>
+            <a:endParaRPr lang="en-US" altLang="zh-CN"/>
+          </a:p>
+        </p:txBody>
+      </p:sp>
+      <p:sp>
+        <p:nvSpPr>
+          <p:cNvPr id="3" name="内容占位符 2"/>
+          <p:cNvSpPr>
+            <a:spLocks noGrp="1"/>
+          </p:cNvSpPr>
+          <p:nvPr>
+            <p:ph idx="1"/>
+          </p:nvPr>
+        </p:nvSpPr>
+        <p:spPr/>
+        <p:txBody>
+          <a:bodyPr/>
+          <a:p>
+            <a:r>
+              <a:rPr lang="zh-CN" altLang="en-US"/>
+              <a:t>INSERT INTO 语句语法格式如下：</a:t>
+            </a:r>
+            <a:endParaRPr lang="zh-CN" altLang="en-US"/>
+          </a:p>
+          <a:p>
+            <a:pPr lvl="1"/>
+            <a:r>
+              <a:rPr lang="zh-CN" altLang="en-US"/>
+              <a:t>INSERT INTO TABLE_NAME (column1, column2, column3,...columnN)</a:t>
+            </a:r>
+            <a:endParaRPr lang="zh-CN" altLang="en-US"/>
+          </a:p>
+          <a:p>
+            <a:pPr marL="914400" lvl="2" indent="0">
+              <a:buNone/>
+            </a:pPr>
+            <a:r>
+              <a:rPr lang="zh-CN" altLang="en-US"/>
+              <a:t>VALUES (value1, value2, value3,...valueN);</a:t>
+            </a:r>
+            <a:endParaRPr lang="zh-CN" altLang="en-US"/>
+          </a:p>
+          <a:p>
+            <a:pPr lvl="1"/>
+            <a:r>
+              <a:rPr lang="zh-CN" altLang="en-US"/>
+              <a:t>column1, column2,...columnN 为表中字段名。</a:t>
+            </a:r>
+            <a:endParaRPr lang="zh-CN" altLang="en-US"/>
+          </a:p>
+          <a:p>
+            <a:pPr lvl="1"/>
+            <a:r>
+              <a:rPr lang="zh-CN" altLang="en-US"/>
+              <a:t>value1, value2, value3,...valueN 为字段对应的值。</a:t>
+            </a:r>
+            <a:endParaRPr lang="zh-CN" altLang="en-US"/>
+          </a:p>
+          <a:p>
+            <a:pPr lvl="1"/>
+            <a:endParaRPr lang="zh-CN" altLang="en-US"/>
+          </a:p>
+          <a:p>
+            <a:pPr lvl="1"/>
+            <a:r>
+              <a:rPr lang="zh-CN" altLang="en-US"/>
+              <a:t>在使用 INSERT INTO 语句时，字段列必须和数据值数量相同，且顺序也要对应。</a:t>
+            </a:r>
+            <a:endParaRPr lang="zh-CN" altLang="en-US"/>
+          </a:p>
+          <a:p>
+            <a:pPr lvl="1"/>
+            <a:r>
+              <a:rPr lang="zh-CN" altLang="en-US"/>
+              <a:t>如果我们向表中的所有字段插入值，则可以不需要指定字段，只需要指定插入的值即可：</a:t>
+            </a:r>
+            <a:endParaRPr lang="zh-CN" altLang="en-US"/>
+          </a:p>
+          <a:p>
+            <a:pPr lvl="1"/>
+            <a:r>
+              <a:rPr lang="zh-CN" altLang="en-US"/>
+              <a:t>INSERT INTO TABLE_NAME VALUES (value1,value2,value3,...valueN);</a:t>
+            </a:r>
+            <a:endParaRPr lang="zh-CN" altLang="en-US"/>
+          </a:p>
+          <a:p>
+            <a:pPr marL="457200" lvl="1" indent="0">
+              <a:buNone/>
+            </a:pPr>
+            <a:endParaRPr lang="zh-CN" altLang="en-US"/>
+          </a:p>
+          <a:p>
+            <a:pPr marL="457200" lvl="1" indent="0">
+              <a:buNone/>
+            </a:pPr>
+            <a:r>
+              <a:rPr lang="en-US" altLang="zh-CN">
+                <a:solidFill>
+                  <a:srgbClr val="FF0000"/>
+                </a:solidFill>
+              </a:rPr>
+              <a:t>EX: </a:t>
+            </a:r>
+            <a:r>
+              <a:rPr lang="zh-CN" altLang="en-US">
+                <a:solidFill>
+                  <a:srgbClr val="FF0000"/>
+                </a:solidFill>
+              </a:rPr>
+              <a:t>INSERT into users(username,password) VALUES('test1','111')</a:t>
+            </a:r>
+            <a:endParaRPr lang="zh-CN" altLang="en-US">
+              <a:solidFill>
+                <a:srgbClr val="FF0000"/>
+              </a:solidFill>
+            </a:endParaRPr>
+          </a:p>
+        </p:txBody>
+      </p:sp>
+    </p:spTree>
+  </p:cSld>
+  <p:clrMapOvr>
+    <a:masterClrMapping/>
+  </p:clrMapOvr>
+</p:sld>
+</file>
+
+<file path=ppt/slides/slide14.xml><?xml version="1.0" encoding="utf-8"?>
+<p:sld xmlns:a="http://schemas.openxmlformats.org/drawingml/2006/main" xmlns:r="http://schemas.openxmlformats.org/officeDocument/2006/relationships" xmlns:p="http://schemas.openxmlformats.org/presentationml/2006/main">
+  <p:cSld>
+    <p:spTree>
+      <p:nvGrpSpPr>
+        <p:cNvPr id="1" name=""/>
+        <p:cNvGrpSpPr/>
+        <p:nvPr/>
+      </p:nvGrpSpPr>
+      <p:grpSpPr/>
+      <p:sp>
+        <p:nvSpPr>
+          <p:cNvPr id="2" name="标题 1"/>
+          <p:cNvSpPr>
+            <a:spLocks noGrp="1"/>
+          </p:cNvSpPr>
+          <p:nvPr>
+            <p:ph type="title"/>
+          </p:nvPr>
+        </p:nvSpPr>
+        <p:spPr/>
+        <p:txBody>
+          <a:bodyPr/>
+          <a:p>
+            <a:r>
+              <a:rPr lang="en-US" altLang="zh-CN">
+                <a:sym typeface="+mn-ea"/>
+              </a:rPr>
+              <a:t>SQL </a:t>
+            </a:r>
+            <a:r>
+              <a:rPr>
+                <a:sym typeface="+mn-ea"/>
+              </a:rPr>
+              <a:t>基本语句</a:t>
+            </a:r>
+            <a:r>
+              <a:rPr lang="en-US" altLang="zh-CN">
+                <a:sym typeface="+mn-ea"/>
+              </a:rPr>
+              <a:t>: DELETE</a:t>
+            </a:r>
+            <a:endParaRPr lang="en-US" altLang="zh-CN">
+              <a:sym typeface="+mn-ea"/>
+            </a:endParaRPr>
+          </a:p>
+        </p:txBody>
+      </p:sp>
+      <p:sp>
+        <p:nvSpPr>
+          <p:cNvPr id="3" name="内容占位符 2"/>
+          <p:cNvSpPr>
+            <a:spLocks noGrp="1"/>
+          </p:cNvSpPr>
+          <p:nvPr>
+            <p:ph idx="1"/>
+          </p:nvPr>
+        </p:nvSpPr>
+        <p:spPr/>
+        <p:txBody>
+          <a:bodyPr/>
+          <a:p>
+            <a:r>
+              <a:rPr lang="zh-CN" altLang="en-US"/>
+              <a:t>以下是 DELETE 语句删除数据的通用语法：</a:t>
+            </a:r>
+            <a:endParaRPr lang="zh-CN" altLang="en-US"/>
+          </a:p>
+          <a:p>
+            <a:r>
+              <a:rPr lang="zh-CN" altLang="en-US"/>
+              <a:t>DELETE FROM table_name WHERE [condition];</a:t>
+            </a:r>
+            <a:endParaRPr lang="zh-CN" altLang="en-US"/>
+          </a:p>
+          <a:p>
+            <a:r>
+              <a:rPr lang="zh-CN" altLang="en-US"/>
+              <a:t>如果没有指定 WHERE 子句，PostgreSQL 表中的所有记录将被删除。</a:t>
+            </a:r>
+            <a:endParaRPr lang="zh-CN" altLang="en-US"/>
+          </a:p>
+          <a:p>
+            <a:r>
+              <a:rPr lang="zh-CN" altLang="en-US"/>
+              <a:t>一般我们需要在 WHERE 子句中指定条件来删除对应的记录，条件语句可以使用 AND 或 OR 运算符来指定一个或多个。</a:t>
+            </a:r>
+            <a:endParaRPr lang="zh-CN" altLang="en-US"/>
+          </a:p>
+          <a:p>
+            <a:endParaRPr lang="zh-CN" altLang="en-US"/>
+          </a:p>
+          <a:p>
+            <a:r>
+              <a:rPr lang="en-US" altLang="zh-CN">
+                <a:solidFill>
+                  <a:srgbClr val="FF0000"/>
+                </a:solidFill>
+              </a:rPr>
+              <a:t>EX: </a:t>
+            </a:r>
+            <a:r>
+              <a:rPr lang="zh-CN" altLang="en-US">
+                <a:solidFill>
+                  <a:srgbClr val="FF0000"/>
+                </a:solidFill>
+              </a:rPr>
+              <a:t>DELETE FROM USERS WHERE UID = 3;</a:t>
+            </a:r>
+            <a:endParaRPr lang="zh-CN" altLang="en-US">
+              <a:solidFill>
+                <a:srgbClr val="FF0000"/>
+              </a:solidFill>
+            </a:endParaRPr>
+          </a:p>
+        </p:txBody>
+      </p:sp>
+    </p:spTree>
+  </p:cSld>
+  <p:clrMapOvr>
+    <a:masterClrMapping/>
+  </p:clrMapOvr>
+</p:sld>
+</file>
+
+<file path=ppt/slides/slide15.xml><?xml version="1.0" encoding="utf-8"?>
+<p:sld xmlns:a="http://schemas.openxmlformats.org/drawingml/2006/main" xmlns:r="http://schemas.openxmlformats.org/officeDocument/2006/relationships" xmlns:p="http://schemas.openxmlformats.org/presentationml/2006/main">
+  <p:cSld>
+    <p:spTree>
+      <p:nvGrpSpPr>
+        <p:cNvPr id="1" name=""/>
+        <p:cNvGrpSpPr/>
+        <p:nvPr/>
+      </p:nvGrpSpPr>
+      <p:grpSpPr/>
+      <p:sp>
+        <p:nvSpPr>
+          <p:cNvPr id="2" name="标题 1"/>
+          <p:cNvSpPr>
+            <a:spLocks noGrp="1"/>
+          </p:cNvSpPr>
+          <p:nvPr>
+            <p:ph type="title"/>
+          </p:nvPr>
+        </p:nvSpPr>
+        <p:spPr/>
+        <p:txBody>
+          <a:bodyPr/>
+          <a:p>
+            <a:r>
+              <a:rPr lang="en-US" altLang="zh-CN">
+                <a:sym typeface="+mn-ea"/>
+              </a:rPr>
+              <a:t>SQL </a:t>
+            </a:r>
+            <a:r>
+              <a:rPr>
+                <a:sym typeface="+mn-ea"/>
+              </a:rPr>
+              <a:t>基本语句</a:t>
+            </a:r>
+            <a:r>
+              <a:rPr lang="en-US" altLang="zh-CN">
+                <a:sym typeface="+mn-ea"/>
+              </a:rPr>
+              <a:t>: SELECT</a:t>
+            </a:r>
+            <a:endParaRPr lang="en-US" altLang="zh-CN">
+              <a:sym typeface="+mn-ea"/>
+            </a:endParaRPr>
+          </a:p>
+        </p:txBody>
+      </p:sp>
+      <p:sp>
+        <p:nvSpPr>
+          <p:cNvPr id="3" name="内容占位符 2"/>
+          <p:cNvSpPr>
+            <a:spLocks noGrp="1"/>
+          </p:cNvSpPr>
+          <p:nvPr>
+            <p:ph idx="1"/>
+          </p:nvPr>
+        </p:nvSpPr>
+        <p:spPr/>
+        <p:txBody>
+          <a:bodyPr/>
+          <a:p>
+            <a:r>
+              <a:rPr lang="zh-CN" altLang="en-US"/>
+              <a:t>SELECT column1, column2,...columnN FROM table_name;</a:t>
+            </a:r>
+            <a:endParaRPr lang="zh-CN" altLang="en-US"/>
+          </a:p>
+          <a:p>
+            <a:r>
+              <a:rPr lang="zh-CN" altLang="en-US"/>
+              <a:t>column1, column2,...columnN 为表中字段名。</a:t>
+            </a:r>
+            <a:endParaRPr lang="zh-CN" altLang="en-US"/>
+          </a:p>
+          <a:p>
+            <a:r>
+              <a:rPr lang="zh-CN" altLang="en-US"/>
+              <a:t>table_name 为表名。</a:t>
+            </a:r>
+            <a:endParaRPr lang="zh-CN" altLang="en-US"/>
+          </a:p>
+          <a:p>
+            <a:endParaRPr lang="zh-CN" altLang="en-US"/>
+          </a:p>
+          <a:p>
+            <a:r>
+              <a:rPr lang="zh-CN" altLang="en-US"/>
+              <a:t>如果我们想读取表中的所有数据可以使用以下 SQL 语句：</a:t>
+            </a:r>
+            <a:endParaRPr lang="zh-CN" altLang="en-US"/>
+          </a:p>
+          <a:p>
+            <a:r>
+              <a:rPr lang="zh-CN" altLang="en-US"/>
+              <a:t>SELECT * FROM table_name;</a:t>
+            </a:r>
+            <a:endParaRPr lang="zh-CN" altLang="en-US"/>
+          </a:p>
+          <a:p>
+            <a:endParaRPr lang="zh-CN" altLang="en-US">
+              <a:solidFill>
+                <a:srgbClr val="FF0000"/>
+              </a:solidFill>
+            </a:endParaRPr>
+          </a:p>
+          <a:p>
+            <a:r>
+              <a:rPr lang="en-US" altLang="zh-CN">
+                <a:solidFill>
+                  <a:srgbClr val="FF0000"/>
+                </a:solidFill>
+              </a:rPr>
+              <a:t>EX: </a:t>
+            </a:r>
+            <a:r>
+              <a:rPr lang="zh-CN" altLang="en-US">
+                <a:solidFill>
+                  <a:srgbClr val="FF0000"/>
+                </a:solidFill>
+              </a:rPr>
+              <a:t>SELECT * from users</a:t>
+            </a:r>
+            <a:endParaRPr lang="zh-CN" altLang="en-US">
+              <a:solidFill>
+                <a:srgbClr val="FF0000"/>
+              </a:solidFill>
+            </a:endParaRPr>
+          </a:p>
+        </p:txBody>
+      </p:sp>
+    </p:spTree>
+  </p:cSld>
+  <p:clrMapOvr>
+    <a:masterClrMapping/>
+  </p:clrMapOvr>
+</p:sld>
+</file>
+
+<file path=ppt/slides/slide16.xml><?xml version="1.0" encoding="utf-8"?>
+<p:sld xmlns:a="http://schemas.openxmlformats.org/drawingml/2006/main" xmlns:r="http://schemas.openxmlformats.org/officeDocument/2006/relationships" xmlns:p="http://schemas.openxmlformats.org/presentationml/2006/main">
+  <p:cSld>
+    <p:spTree>
+      <p:nvGrpSpPr>
+        <p:cNvPr id="1" name=""/>
+        <p:cNvGrpSpPr/>
+        <p:nvPr/>
+      </p:nvGrpSpPr>
+      <p:grpSpPr/>
+      <p:sp>
+        <p:nvSpPr>
+          <p:cNvPr id="2" name="标题 1"/>
+          <p:cNvSpPr>
+            <a:spLocks noGrp="1"/>
+          </p:cNvSpPr>
+          <p:nvPr>
+            <p:ph type="title"/>
+          </p:nvPr>
+        </p:nvSpPr>
+        <p:spPr/>
+        <p:txBody>
+          <a:bodyPr/>
+          <a:p>
+            <a:r>
+              <a:rPr lang="en-US" altLang="zh-CN">
+                <a:sym typeface="+mn-ea"/>
+              </a:rPr>
+              <a:t>SQL </a:t>
+            </a:r>
+            <a:r>
+              <a:rPr>
+                <a:sym typeface="+mn-ea"/>
+              </a:rPr>
+              <a:t>基本语句</a:t>
+            </a:r>
+            <a:r>
+              <a:rPr lang="en-US" altLang="zh-CN">
+                <a:sym typeface="+mn-ea"/>
+              </a:rPr>
+              <a:t>: UPDATE</a:t>
+            </a:r>
+            <a:endParaRPr lang="en-US" altLang="zh-CN"/>
+          </a:p>
+        </p:txBody>
+      </p:sp>
+      <p:sp>
+        <p:nvSpPr>
+          <p:cNvPr id="3" name="内容占位符 2"/>
+          <p:cNvSpPr>
+            <a:spLocks noGrp="1"/>
+          </p:cNvSpPr>
+          <p:nvPr>
+            <p:ph idx="1"/>
+          </p:nvPr>
+        </p:nvSpPr>
+        <p:spPr/>
+        <p:txBody>
+          <a:bodyPr/>
+          <a:p>
+            <a:r>
+              <a:rPr lang="zh-CN" altLang="en-US"/>
+              <a:t>以下是 UPDATE 语句修改数据的通用 SQL 语法：</a:t>
+            </a:r>
+            <a:endParaRPr lang="zh-CN" altLang="en-US"/>
+          </a:p>
+          <a:p>
+            <a:r>
+              <a:rPr lang="zh-CN" altLang="en-US"/>
+              <a:t>UPDATE table_name</a:t>
+            </a:r>
+            <a:endParaRPr lang="zh-CN" altLang="en-US"/>
+          </a:p>
+          <a:p>
+            <a:r>
+              <a:rPr lang="zh-CN" altLang="en-US"/>
+              <a:t>SET column1 = value1, column2 = value2...., columnN = valueN</a:t>
+            </a:r>
+            <a:endParaRPr lang="zh-CN" altLang="en-US"/>
+          </a:p>
+          <a:p>
+            <a:r>
+              <a:rPr lang="zh-CN" altLang="en-US"/>
+              <a:t>WHERE [condition];</a:t>
+            </a:r>
+            <a:endParaRPr lang="zh-CN" altLang="en-US"/>
+          </a:p>
+          <a:p>
+            <a:endParaRPr lang="zh-CN" altLang="en-US"/>
+          </a:p>
+          <a:p>
+            <a:r>
+              <a:rPr lang="zh-CN" altLang="en-US"/>
+              <a:t>我们可以同时更新一个或者多个字段。</a:t>
+            </a:r>
+            <a:endParaRPr lang="zh-CN" altLang="en-US"/>
+          </a:p>
+          <a:p>
+            <a:r>
+              <a:rPr lang="zh-CN" altLang="en-US"/>
+              <a:t>我们可以在 WHERE 子句中指定任何条件。</a:t>
+            </a:r>
+            <a:endParaRPr lang="zh-CN" altLang="en-US"/>
+          </a:p>
+          <a:p>
+            <a:endParaRPr lang="zh-CN" altLang="en-US"/>
+          </a:p>
+          <a:p>
+            <a:r>
+              <a:rPr lang="en-US" altLang="zh-CN">
+                <a:solidFill>
+                  <a:srgbClr val="FF0000"/>
+                </a:solidFill>
+              </a:rPr>
+              <a:t>EX:UPDATE USERS SET username = 'a1',password ='111' WHERE UID = 2;</a:t>
+            </a:r>
+            <a:endParaRPr lang="en-US" altLang="zh-CN">
+              <a:solidFill>
+                <a:srgbClr val="FF0000"/>
+              </a:solidFill>
+            </a:endParaRPr>
+          </a:p>
+        </p:txBody>
+      </p:sp>
+    </p:spTree>
+  </p:cSld>
+  <p:clrMapOvr>
+    <a:masterClrMapping/>
+  </p:clrMapOvr>
+</p:sld>
+</file>
+
+<file path=ppt/slides/slide17.xml><?xml version="1.0" encoding="utf-8"?>
+<p:sld xmlns:a="http://schemas.openxmlformats.org/drawingml/2006/main" xmlns:r="http://schemas.openxmlformats.org/officeDocument/2006/relationships" xmlns:p="http://schemas.openxmlformats.org/presentationml/2006/main">
+  <p:cSld>
+    <p:spTree>
+      <p:nvGrpSpPr>
+        <p:cNvPr id="1" name=""/>
+        <p:cNvGrpSpPr/>
+        <p:nvPr/>
+      </p:nvGrpSpPr>
+      <p:grpSpPr/>
+      <p:sp>
+        <p:nvSpPr>
+          <p:cNvPr id="2" name="标题 1"/>
+          <p:cNvSpPr>
+            <a:spLocks noGrp="1"/>
+          </p:cNvSpPr>
+          <p:nvPr>
+            <p:ph type="title"/>
+          </p:nvPr>
+        </p:nvSpPr>
+        <p:spPr/>
+        <p:txBody>
+          <a:bodyPr/>
+          <a:p>
+            <a:r>
+              <a:t>附：</a:t>
+            </a:r>
+            <a:r>
+              <a:rPr lang="en-US" altLang="zh-CN"/>
+              <a:t>Qt</a:t>
+            </a:r>
+            <a:r>
+              <a:t>环境配置</a:t>
+            </a:r>
+            <a:r>
+              <a:rPr lang="en-US" altLang="zh-CN"/>
+              <a:t>(path)</a:t>
+            </a:r>
+            <a:endParaRPr lang="en-US" altLang="zh-CN"/>
+          </a:p>
+        </p:txBody>
+      </p:sp>
+      <p:sp>
+        <p:nvSpPr>
+          <p:cNvPr id="3" name="内容占位符 2"/>
+          <p:cNvSpPr>
+            <a:spLocks noGrp="1"/>
+          </p:cNvSpPr>
+          <p:nvPr>
+            <p:ph idx="1"/>
+          </p:nvPr>
+        </p:nvSpPr>
+        <p:spPr/>
+        <p:txBody>
+          <a:bodyPr/>
+          <a:p>
+            <a:r>
+              <a:rPr lang="zh-CN" altLang="en-US"/>
+              <a:t>C:\Program Files\PostgreSQL\11\bin</a:t>
+            </a:r>
+            <a:endParaRPr lang="zh-CN" altLang="en-US"/>
+          </a:p>
+          <a:p>
+            <a:r>
+              <a:rPr lang="zh-CN" altLang="en-US"/>
+              <a:t>C:\Program Files\PostgreSQL\11\lib</a:t>
+            </a:r>
+            <a:endParaRPr lang="zh-CN" altLang="en-US"/>
+          </a:p>
+          <a:p>
+            <a:endParaRPr lang="zh-CN" altLang="en-US"/>
+          </a:p>
+          <a:p>
+            <a:r>
+              <a:rPr lang="zh-CN" altLang="en-US"/>
+              <a:t>C:\Qt\Qt5.14.2\5.14.2\mingw73_64\bin</a:t>
+            </a:r>
+            <a:endParaRPr lang="zh-CN" altLang="en-US"/>
+          </a:p>
+          <a:p>
+            <a:r>
+              <a:rPr lang="zh-CN" altLang="en-US"/>
+              <a:t>C:\Qt\Qt5.14.2\Tools\mingw730_64\bin</a:t>
+            </a:r>
+            <a:endParaRPr lang="zh-CN" altLang="en-US"/>
+          </a:p>
+          <a:p>
+            <a:endParaRPr lang="zh-CN" altLang="en-US"/>
+          </a:p>
+          <a:p>
+            <a:r>
+              <a:rPr lang="en-US" altLang="zh-CN"/>
+              <a:t>Psql drivers:</a:t>
+            </a:r>
+            <a:endParaRPr lang="en-US" altLang="zh-CN"/>
+          </a:p>
+          <a:p>
+            <a:endParaRPr lang="en-US" altLang="zh-CN"/>
+          </a:p>
+        </p:txBody>
+      </p:sp>
+      <p:pic>
+        <p:nvPicPr>
+          <p:cNvPr id="4" name="图片 3" descr="d0014b5daa2644e188cce5c01381d30d"/>
+          <p:cNvPicPr>
+            <a:picLocks noChangeAspect="1"/>
+          </p:cNvPicPr>
+          <p:nvPr/>
+        </p:nvPicPr>
+        <p:blipFill>
+          <a:blip r:embed="rId1"/>
+          <a:stretch>
+            <a:fillRect/>
+          </a:stretch>
+        </p:blipFill>
+        <p:spPr>
+          <a:xfrm>
+            <a:off x="3048635" y="3632835"/>
+            <a:ext cx="6267450" cy="2514600"/>
+          </a:xfrm>
+          <a:prstGeom prst="rect">
+            <a:avLst/>
+          </a:prstGeom>
+        </p:spPr>
+      </p:pic>
+    </p:spTree>
+  </p:cSld>
+  <p:clrMapOvr>
+    <a:masterClrMapping/>
+  </p:clrMapOvr>
+</p:sld>
+</file>
+
+<file path=ppt/slides/slide18.xml><?xml version="1.0" encoding="utf-8"?>
+<p:sld xmlns:a="http://schemas.openxmlformats.org/drawingml/2006/main" xmlns:r="http://schemas.openxmlformats.org/officeDocument/2006/relationships" xmlns:p="http://schemas.openxmlformats.org/presentationml/2006/main">
+  <p:cSld>
+    <p:spTree>
+      <p:nvGrpSpPr>
+        <p:cNvPr id="1" name=""/>
+        <p:cNvGrpSpPr/>
+        <p:nvPr/>
+      </p:nvGrpSpPr>
+      <p:grpSpPr/>
+      <p:sp>
+        <p:nvSpPr>
+          <p:cNvPr id="6" name="标题 5"/>
+          <p:cNvSpPr>
+            <a:spLocks noGrp="1"/>
+          </p:cNvSpPr>
+          <p:nvPr>
+            <p:ph type="title"/>
+          </p:nvPr>
+        </p:nvSpPr>
+        <p:spPr/>
+        <p:txBody>
+          <a:bodyPr/>
+          <a:p>
+            <a:r>
+              <a:rPr>
+                <a:sym typeface="+mn-ea"/>
+              </a:rPr>
+              <a:t>附：</a:t>
+            </a:r>
+            <a:r>
+              <a:rPr lang="zh-CN" altLang="en-US"/>
+              <a:t>参考网址</a:t>
+            </a:r>
+            <a:endParaRPr lang="zh-CN" altLang="en-US"/>
+          </a:p>
+        </p:txBody>
+      </p:sp>
+      <p:sp>
+        <p:nvSpPr>
+          <p:cNvPr id="4" name="文本框 3"/>
+          <p:cNvSpPr txBox="1"/>
+          <p:nvPr/>
+        </p:nvSpPr>
+        <p:spPr>
+          <a:xfrm>
+            <a:off x="892810" y="2734945"/>
+            <a:ext cx="7361555" cy="583565"/>
+          </a:xfrm>
+          <a:prstGeom prst="rect">
+            <a:avLst/>
+          </a:prstGeom>
+          <a:noFill/>
+        </p:spPr>
+        <p:txBody>
+          <a:bodyPr wrap="square" rtlCol="0" anchor="t">
+            <a:spAutoFit/>
+          </a:bodyPr>
+          <a:p>
+            <a:r>
+              <a:rPr lang="zh-CN" altLang="en-US" sz="3200"/>
+              <a:t>http://manual.51yip.com/postgresql/</a:t>
+            </a:r>
+            <a:endParaRPr lang="zh-CN" altLang="en-US" sz="3200"/>
+          </a:p>
+        </p:txBody>
+      </p:sp>
+      <p:sp>
+        <p:nvSpPr>
+          <p:cNvPr id="7" name="文本框 6"/>
+          <p:cNvSpPr txBox="1"/>
+          <p:nvPr/>
+        </p:nvSpPr>
+        <p:spPr>
+          <a:xfrm>
+            <a:off x="892810" y="1988185"/>
+            <a:ext cx="11213465" cy="583565"/>
+          </a:xfrm>
+          <a:prstGeom prst="rect">
+            <a:avLst/>
+          </a:prstGeom>
+          <a:noFill/>
+        </p:spPr>
+        <p:txBody>
+          <a:bodyPr wrap="square" rtlCol="0" anchor="t">
+            <a:spAutoFit/>
+          </a:bodyPr>
+          <a:p>
+            <a:r>
+              <a:rPr lang="zh-CN" altLang="en-US" sz="3200"/>
+              <a:t>https://www.runoob.com/postgresql/postgresql-tutorial.html</a:t>
+            </a:r>
+            <a:endParaRPr lang="zh-CN" altLang="en-US" sz="3200"/>
+          </a:p>
+        </p:txBody>
+      </p:sp>
+      <p:sp>
+        <p:nvSpPr>
+          <p:cNvPr id="5" name="对角圆角矩形 4"/>
+          <p:cNvSpPr/>
+          <p:nvPr/>
+        </p:nvSpPr>
+        <p:spPr>
+          <a:xfrm>
+            <a:off x="4567555" y="4109720"/>
+            <a:ext cx="2559685" cy="937260"/>
+          </a:xfrm>
+          <a:prstGeom prst="round2DiagRect">
+            <a:avLst/>
+          </a:prstGeom>
+          <a:solidFill>
+            <a:schemeClr val="accent4">
+              <a:lumMod val="60000"/>
+              <a:lumOff val="40000"/>
+            </a:schemeClr>
+          </a:solidFill>
+          <a:ln>
+            <a:solidFill>
+              <a:schemeClr val="tx1">
+                <a:lumMod val="40000"/>
+                <a:lumOff val="60000"/>
+              </a:schemeClr>
+            </a:solidFill>
+          </a:ln>
+        </p:spPr>
+        <p:style>
+          <a:lnRef idx="2">
+            <a:schemeClr val="accent1">
+              <a:shade val="50000"/>
+            </a:schemeClr>
+          </a:lnRef>
+          <a:fillRef idx="1">
+            <a:schemeClr val="accent1"/>
+          </a:fillRef>
+          <a:effectRef idx="0">
+            <a:schemeClr val="accent1"/>
+          </a:effectRef>
+          <a:fontRef idx="minor">
+            <a:schemeClr val="lt1"/>
+          </a:fontRef>
+        </p:style>
+        <p:txBody>
+          <a:bodyPr rtlCol="0" anchor="ctr"/>
+          <a:p>
+            <a:pPr algn="ctr"/>
+            <a:r>
+              <a:rPr lang="en-US" altLang="zh-CN"/>
+              <a:t>THANKS !</a:t>
+            </a:r>
+            <a:endParaRPr lang="en-US" altLang="zh-CN"/>
+          </a:p>
+        </p:txBody>
+      </p:sp>
+    </p:spTree>
+  </p:cSld>
+  <p:clrMapOvr>
+    <a:masterClrMapping/>
+  </p:clrMapOvr>
+</p:sld>
+</file>
+
 <file path=ppt/slides/slide2.xml><?xml version="1.0" encoding="utf-8"?>
 <p:sld xmlns:a="http://schemas.openxmlformats.org/drawingml/2006/main" xmlns:r="http://schemas.openxmlformats.org/officeDocument/2006/relationships" xmlns:p="http://schemas.openxmlformats.org/presentationml/2006/main">
   <p:cSld>
@@ -5566,30 +7242,114 @@
       <p:grpSpPr/>
       <p:sp>
         <p:nvSpPr>
-          <p:cNvPr id="4" name="文本框 3"/>
-          <p:cNvSpPr txBox="1"/>
-          <p:nvPr/>
-        </p:nvSpPr>
-        <p:spPr>
-          <a:xfrm>
-            <a:off x="1831975" y="2199640"/>
-            <a:ext cx="7361555" cy="583565"/>
-          </a:xfrm>
-          <a:prstGeom prst="rect">
-            <a:avLst/>
-          </a:prstGeom>
-          <a:noFill/>
-        </p:spPr>
-        <p:txBody>
-          <a:bodyPr wrap="square" rtlCol="0" anchor="t">
-            <a:spAutoFit/>
-          </a:bodyPr>
-          <a:p>
-            <a:r>
-              <a:rPr lang="zh-CN" altLang="en-US" sz="3200"/>
-              <a:t>http://manual.51yip.com/postgresql/</a:t>
-            </a:r>
-            <a:endParaRPr lang="zh-CN" altLang="en-US" sz="3200"/>
+          <p:cNvPr id="2" name="标题 1"/>
+          <p:cNvSpPr>
+            <a:spLocks noGrp="1"/>
+          </p:cNvSpPr>
+          <p:nvPr>
+            <p:ph type="title"/>
+          </p:nvPr>
+        </p:nvSpPr>
+        <p:spPr/>
+        <p:txBody>
+          <a:bodyPr/>
+          <a:p>
+            <a:r>
+              <a:rPr lang="zh-CN" altLang="en-US"/>
+              <a:t>数据库</a:t>
+            </a:r>
+            <a:endParaRPr lang="zh-CN" altLang="en-US"/>
+          </a:p>
+        </p:txBody>
+      </p:sp>
+      <p:sp>
+        <p:nvSpPr>
+          <p:cNvPr id="3" name="内容占位符 2"/>
+          <p:cNvSpPr>
+            <a:spLocks noGrp="1"/>
+          </p:cNvSpPr>
+          <p:nvPr>
+            <p:ph idx="1"/>
+          </p:nvPr>
+        </p:nvSpPr>
+        <p:spPr/>
+        <p:txBody>
+          <a:bodyPr/>
+          <a:p>
+            <a:r>
+              <a:rPr lang="zh-CN" altLang="en-US"/>
+              <a:t>数据库（Database）是按照数据结构来组织、存储和管理数据的仓库。</a:t>
+            </a:r>
+            <a:endParaRPr lang="zh-CN" altLang="en-US"/>
+          </a:p>
+          <a:p>
+            <a:r>
+              <a:rPr lang="zh-CN" altLang="en-US"/>
+              <a:t>每个数据库都有一个或多个不同的 API 用于创建，访问，管理，搜索和复制所保存的数据。</a:t>
+            </a:r>
+            <a:endParaRPr lang="zh-CN" altLang="en-US"/>
+          </a:p>
+          <a:p>
+            <a:r>
+              <a:rPr lang="zh-CN" altLang="en-US"/>
+              <a:t>我们也可以将数据存储在文件中，但是在文件中读写数据速度相对较慢。</a:t>
+            </a:r>
+            <a:endParaRPr lang="zh-CN" altLang="en-US"/>
+          </a:p>
+          <a:p>
+            <a:r>
+              <a:rPr lang="zh-CN" altLang="en-US"/>
+              <a:t>所以，现在我们使用</a:t>
+            </a:r>
+            <a:r>
+              <a:rPr lang="zh-CN" altLang="en-US" b="1">
+                <a:solidFill>
+                  <a:srgbClr val="FF0000"/>
+                </a:solidFill>
+              </a:rPr>
+              <a:t>关系型数据库管理系统（RDBMS）来存储和管理的大数据量</a:t>
+            </a:r>
+            <a:r>
+              <a:rPr lang="zh-CN" altLang="en-US"/>
+              <a:t>。所谓的关系型数据库，是建立在关系模型基础上的数据库，</a:t>
+            </a:r>
+            <a:r>
+              <a:rPr lang="zh-CN" altLang="en-US" u="sng"/>
+              <a:t>借助于集合代数等数学概念和方法来处理数据库中的数据</a:t>
+            </a:r>
+            <a:r>
+              <a:rPr lang="zh-CN" altLang="en-US"/>
+              <a:t>。</a:t>
+            </a:r>
+            <a:endParaRPr lang="zh-CN" altLang="en-US"/>
+          </a:p>
+          <a:p>
+            <a:r>
+              <a:rPr lang="zh-CN" altLang="en-US"/>
+              <a:t>ORDBMS（对象关系数据库系统）是面向对象技术与传统的关系数据库相结合的产物，查询处理是 ORDBMS 的重要组成部分，它的性能优劣将直接影响到DBMS 的性能。</a:t>
+            </a:r>
+            <a:endParaRPr lang="zh-CN" altLang="en-US"/>
+          </a:p>
+          <a:p>
+            <a:r>
+              <a:rPr lang="zh-CN" altLang="en-US"/>
+              <a:t>ORDBMS在原来关系数据库的基础上，增加了一些新的特性。</a:t>
+            </a:r>
+            <a:endParaRPr lang="zh-CN" altLang="en-US"/>
+          </a:p>
+          <a:p>
+            <a:r>
+              <a:rPr lang="zh-CN" altLang="en-US"/>
+              <a:t>RDBMS 是关系数据库管理系统,是建立实体之间的联系,最后得到的是关系表。</a:t>
+            </a:r>
+            <a:endParaRPr lang="zh-CN" altLang="en-US"/>
+          </a:p>
+          <a:p>
+            <a:r>
+              <a:rPr lang="zh-CN" altLang="en-US"/>
+              <a:t>OODBMS 面向对象数据库管理系统,将所有实体都看着对象,并将这些对象类进行封装,对象之间的通信通过消息 OODBMS 对象关系数据库在实质上还是关系数据库 。</a:t>
+            </a:r>
+            <a:endParaRPr lang="zh-CN" altLang="en-US"/>
           </a:p>
         </p:txBody>
       </p:sp>
@@ -5625,6 +7385,10 @@
         <p:txBody>
           <a:bodyPr/>
           <a:p>
+            <a:r>
+              <a:rPr lang="zh-CN" altLang="en-US"/>
+              <a:t>ORDBMS 术语</a:t>
+            </a:r>
             <a:endParaRPr lang="zh-CN" altLang="en-US"/>
           </a:p>
         </p:txBody>
@@ -5643,7 +7407,946 @@
         <p:txBody>
           <a:bodyPr/>
           <a:p>
-            <a:endParaRPr lang="zh-CN" altLang="en-US"/>
+            <a:r>
+              <a:rPr lang="zh-CN" altLang="en-US"/>
+              <a:t>在我们开始学习 PostgreSQL 数据库前，让我们先了解下 ORDBMS 的一些术语：</a:t>
+            </a:r>
+            <a:endParaRPr lang="zh-CN" altLang="en-US"/>
+          </a:p>
+          <a:p>
+            <a:endParaRPr lang="zh-CN" altLang="en-US"/>
+          </a:p>
+          <a:p>
+            <a:r>
+              <a:rPr lang="zh-CN" altLang="en-US" sz="1400" b="1"/>
+              <a:t>数据库</a:t>
+            </a:r>
+            <a:r>
+              <a:rPr lang="zh-CN" altLang="en-US" sz="1400"/>
+              <a:t>: 数据库是一些关联表的集合。</a:t>
+            </a:r>
+            <a:endParaRPr lang="zh-CN" altLang="en-US" sz="1400"/>
+          </a:p>
+          <a:p>
+            <a:r>
+              <a:rPr lang="zh-CN" altLang="en-US" sz="1400" b="1"/>
+              <a:t>数据表</a:t>
+            </a:r>
+            <a:r>
+              <a:rPr lang="zh-CN" altLang="en-US" sz="1400"/>
+              <a:t>: 表是数据的矩阵。在一个数据库中的表看起来像一个简单的电子表格。</a:t>
+            </a:r>
+            <a:endParaRPr lang="zh-CN" altLang="en-US" sz="1400"/>
+          </a:p>
+          <a:p>
+            <a:r>
+              <a:rPr lang="zh-CN" altLang="en-US" sz="1400" b="1"/>
+              <a:t>列</a:t>
+            </a:r>
+            <a:r>
+              <a:rPr lang="zh-CN" altLang="en-US" sz="1400"/>
+              <a:t>: 一列(数据元素) 包含了相同的数据, 例如邮政编码的数据。</a:t>
+            </a:r>
+            <a:endParaRPr lang="zh-CN" altLang="en-US" sz="1400"/>
+          </a:p>
+          <a:p>
+            <a:r>
+              <a:rPr lang="zh-CN" altLang="en-US" sz="1400" b="1"/>
+              <a:t>行</a:t>
+            </a:r>
+            <a:r>
+              <a:rPr lang="zh-CN" altLang="en-US" sz="1400"/>
+              <a:t>：一行（=元组，或记录）是一组相关的数据，例如一条用户订阅的数据。</a:t>
+            </a:r>
+            <a:endParaRPr lang="zh-CN" altLang="en-US" sz="1400"/>
+          </a:p>
+          <a:p>
+            <a:r>
+              <a:rPr lang="zh-CN" altLang="en-US" sz="1400" b="1"/>
+              <a:t>冗余</a:t>
+            </a:r>
+            <a:r>
+              <a:rPr lang="zh-CN" altLang="en-US" sz="1400"/>
+              <a:t>：存储两倍数据，冗余降低了性能，但提高了数据的安全性。</a:t>
+            </a:r>
+            <a:endParaRPr lang="zh-CN" altLang="en-US" sz="1400"/>
+          </a:p>
+          <a:p>
+            <a:r>
+              <a:rPr lang="zh-CN" altLang="en-US" sz="1400" b="1"/>
+              <a:t>主键</a:t>
+            </a:r>
+            <a:r>
+              <a:rPr lang="zh-CN" altLang="en-US" sz="1400"/>
+              <a:t>：主键是唯一的。一个数据表中只能包含一个主键。你可以使用主键来查询数据。</a:t>
+            </a:r>
+            <a:endParaRPr lang="zh-CN" altLang="en-US" sz="1400"/>
+          </a:p>
+          <a:p>
+            <a:r>
+              <a:rPr lang="zh-CN" altLang="en-US" sz="1400" b="1"/>
+              <a:t>外键</a:t>
+            </a:r>
+            <a:r>
+              <a:rPr lang="zh-CN" altLang="en-US" sz="1400"/>
+              <a:t>：外键用于关联两个表。</a:t>
+            </a:r>
+            <a:endParaRPr lang="zh-CN" altLang="en-US" sz="1400"/>
+          </a:p>
+          <a:p>
+            <a:r>
+              <a:rPr lang="zh-CN" altLang="en-US" sz="1400" b="1"/>
+              <a:t>复合键</a:t>
+            </a:r>
+            <a:r>
+              <a:rPr lang="zh-CN" altLang="en-US" sz="1400"/>
+              <a:t>：复合键（组合键）将多个列作为一个索引键，一般用于复合索引。</a:t>
+            </a:r>
+            <a:endParaRPr lang="zh-CN" altLang="en-US" sz="1400"/>
+          </a:p>
+          <a:p>
+            <a:r>
+              <a:rPr lang="zh-CN" altLang="en-US" sz="1400" b="1"/>
+              <a:t>索引</a:t>
+            </a:r>
+            <a:r>
+              <a:rPr lang="zh-CN" altLang="en-US" sz="1400"/>
+              <a:t>：使用索引可快速访问数据库表中的特定信息。索引是对数据库表中一列或多列的值进行排序的一种结构。类似于书籍的目录。</a:t>
+            </a:r>
+            <a:endParaRPr lang="zh-CN" altLang="en-US" sz="1400"/>
+          </a:p>
+          <a:p>
+            <a:r>
+              <a:rPr lang="zh-CN" altLang="en-US" sz="1400" b="1"/>
+              <a:t>参照完整性</a:t>
+            </a:r>
+            <a:r>
+              <a:rPr lang="zh-CN" altLang="en-US" sz="1400"/>
+              <a:t>: 参照的完整性要求关系中不允许引用不存在的实体。与实体完整性是关系模型必须满足的完整性约束条件，目的是保证数据的一致性。</a:t>
+            </a:r>
+            <a:endParaRPr lang="zh-CN" altLang="en-US" sz="1400"/>
+          </a:p>
+        </p:txBody>
+      </p:sp>
+    </p:spTree>
+  </p:cSld>
+  <p:clrMapOvr>
+    <a:masterClrMapping/>
+  </p:clrMapOvr>
+</p:sld>
+</file>
+
+<file path=ppt/slides/slide4.xml><?xml version="1.0" encoding="utf-8"?>
+<p:sld xmlns:a="http://schemas.openxmlformats.org/drawingml/2006/main" xmlns:r="http://schemas.openxmlformats.org/officeDocument/2006/relationships" xmlns:p="http://schemas.openxmlformats.org/presentationml/2006/main">
+  <p:cSld>
+    <p:spTree>
+      <p:nvGrpSpPr>
+        <p:cNvPr id="1" name=""/>
+        <p:cNvGrpSpPr/>
+        <p:nvPr/>
+      </p:nvGrpSpPr>
+      <p:grpSpPr/>
+      <p:sp>
+        <p:nvSpPr>
+          <p:cNvPr id="2" name="标题 1"/>
+          <p:cNvSpPr>
+            <a:spLocks noGrp="1"/>
+          </p:cNvSpPr>
+          <p:nvPr>
+            <p:ph type="title"/>
+          </p:nvPr>
+        </p:nvSpPr>
+        <p:spPr/>
+        <p:txBody>
+          <a:bodyPr/>
+          <a:p>
+            <a:r>
+              <a:rPr lang="zh-CN" altLang="en-US"/>
+              <a:t>PostgreSQL 特征</a:t>
+            </a:r>
+            <a:endParaRPr lang="zh-CN" altLang="en-US"/>
+          </a:p>
+        </p:txBody>
+      </p:sp>
+      <p:sp>
+        <p:nvSpPr>
+          <p:cNvPr id="3" name="内容占位符 2"/>
+          <p:cNvSpPr>
+            <a:spLocks noGrp="1"/>
+          </p:cNvSpPr>
+          <p:nvPr>
+            <p:ph idx="1"/>
+          </p:nvPr>
+        </p:nvSpPr>
+        <p:spPr>
+          <a:xfrm>
+            <a:off x="669925" y="952500"/>
+            <a:ext cx="10852150" cy="5448300"/>
+          </a:xfrm>
+        </p:spPr>
+        <p:txBody>
+          <a:bodyPr/>
+          <a:p>
+            <a:r>
+              <a:rPr lang="zh-CN" altLang="en-US" b="1"/>
+              <a:t>函数</a:t>
+            </a:r>
+            <a:r>
+              <a:rPr lang="zh-CN" altLang="en-US"/>
+              <a:t>：通过函数，可以在数据库服务器端执行指令程序。</a:t>
+            </a:r>
+            <a:endParaRPr lang="zh-CN" altLang="en-US"/>
+          </a:p>
+          <a:p>
+            <a:r>
+              <a:rPr lang="zh-CN" altLang="en-US" b="1"/>
+              <a:t>索引</a:t>
+            </a:r>
+            <a:r>
+              <a:rPr lang="zh-CN" altLang="en-US"/>
+              <a:t>：用户可以自定义索引方法，或使用内置的 B 树，哈希表与 GiST 索引。</a:t>
+            </a:r>
+            <a:endParaRPr lang="zh-CN" altLang="en-US"/>
+          </a:p>
+          <a:p>
+            <a:r>
+              <a:rPr lang="zh-CN" altLang="en-US" b="1"/>
+              <a:t>触发器</a:t>
+            </a:r>
+            <a:r>
+              <a:rPr lang="zh-CN" altLang="en-US"/>
+              <a:t>：触发器是由SQL语句查询所触发的事件。如：一个INSERT语句可能触发一个检查数据完整性的触发器。触发器通常由INSERT或UPDATE语句触发。 多版本并发控制：PostgreSQL使用多版本并发控制（MVCC，Multiversion concurrency control）系统进行并发控制，该系统向每个用户提供了一个数据库的"快照"，用户在事务内所作的每个修改，对于其他的用户都不可见，直到该事务成功提交。</a:t>
+            </a:r>
+            <a:endParaRPr lang="zh-CN" altLang="en-US"/>
+          </a:p>
+          <a:p>
+            <a:r>
+              <a:rPr lang="zh-CN" altLang="en-US" b="1"/>
+              <a:t>规则</a:t>
+            </a:r>
+            <a:r>
+              <a:rPr lang="zh-CN" altLang="en-US"/>
+              <a:t>：规则（RULE）允许一个查询能被重写，通常用来实现对视图（VIEW）的操作，如插入（INSERT）、更新（UPDATE）、删除（DELETE）。</a:t>
+            </a:r>
+            <a:endParaRPr lang="zh-CN" altLang="en-US"/>
+          </a:p>
+          <a:p>
+            <a:r>
+              <a:rPr lang="zh-CN" altLang="en-US" b="1"/>
+              <a:t>数据类型</a:t>
+            </a:r>
+            <a:r>
+              <a:rPr lang="zh-CN" altLang="en-US"/>
+              <a:t>：包括文本、任意精度的数值数组、JSON 数据、枚举类型、XML 数据</a:t>
+            </a:r>
+            <a:endParaRPr lang="zh-CN" altLang="en-US"/>
+          </a:p>
+          <a:p>
+            <a:r>
+              <a:rPr lang="zh-CN" altLang="en-US"/>
+              <a:t>等。</a:t>
+            </a:r>
+            <a:endParaRPr lang="zh-CN" altLang="en-US"/>
+          </a:p>
+          <a:p>
+            <a:r>
+              <a:rPr lang="zh-CN" altLang="en-US" b="1"/>
+              <a:t>全文检索</a:t>
+            </a:r>
+            <a:r>
+              <a:rPr lang="zh-CN" altLang="en-US"/>
+              <a:t>：通过 Tsearch2 或 OpenFTS，8.3版本中内嵌 Tsearch2。</a:t>
+            </a:r>
+            <a:endParaRPr lang="zh-CN" altLang="en-US"/>
+          </a:p>
+          <a:p>
+            <a:r>
+              <a:rPr lang="zh-CN" altLang="en-US" b="1"/>
+              <a:t>NoSQL</a:t>
+            </a:r>
+            <a:r>
+              <a:rPr lang="zh-CN" altLang="en-US"/>
+              <a:t>：JSON，JSONB，XML，HStore 原生支持，至 NoSQL 数据库的外部数据包装器。</a:t>
+            </a:r>
+            <a:endParaRPr lang="zh-CN" altLang="en-US"/>
+          </a:p>
+          <a:p>
+            <a:r>
+              <a:rPr lang="zh-CN" altLang="en-US" b="1"/>
+              <a:t>数据仓库</a:t>
+            </a:r>
+            <a:r>
+              <a:rPr lang="zh-CN" altLang="en-US"/>
+              <a:t>：能平滑迁移至同属 PostgreSQL 生态的 GreenPlum，DeepGreen，HAWK 等，使用 FDW 进行 ETL。</a:t>
+            </a:r>
+            <a:endParaRPr lang="zh-CN" altLang="en-US"/>
+          </a:p>
+        </p:txBody>
+      </p:sp>
+    </p:spTree>
+  </p:cSld>
+  <p:clrMapOvr>
+    <a:masterClrMapping/>
+  </p:clrMapOvr>
+</p:sld>
+</file>
+
+<file path=ppt/slides/slide5.xml><?xml version="1.0" encoding="utf-8"?>
+<p:sld xmlns:a="http://schemas.openxmlformats.org/drawingml/2006/main" xmlns:r="http://schemas.openxmlformats.org/officeDocument/2006/relationships" xmlns:p="http://schemas.openxmlformats.org/presentationml/2006/main">
+  <p:cSld>
+    <p:spTree>
+      <p:nvGrpSpPr>
+        <p:cNvPr id="1" name=""/>
+        <p:cNvGrpSpPr/>
+        <p:nvPr/>
+      </p:nvGrpSpPr>
+      <p:grpSpPr/>
+      <p:sp>
+        <p:nvSpPr>
+          <p:cNvPr id="2" name="标题 1"/>
+          <p:cNvSpPr>
+            <a:spLocks noGrp="1"/>
+          </p:cNvSpPr>
+          <p:nvPr>
+            <p:ph type="title"/>
+          </p:nvPr>
+        </p:nvSpPr>
+        <p:spPr/>
+        <p:txBody>
+          <a:bodyPr/>
+          <a:p>
+            <a:r>
+              <a:rPr lang="zh-CN" altLang="en-US"/>
+              <a:t>软件安装</a:t>
+            </a:r>
+            <a:endParaRPr lang="zh-CN" altLang="en-US"/>
+          </a:p>
+        </p:txBody>
+      </p:sp>
+      <p:sp>
+        <p:nvSpPr>
+          <p:cNvPr id="3" name="内容占位符 2"/>
+          <p:cNvSpPr>
+            <a:spLocks noGrp="1"/>
+          </p:cNvSpPr>
+          <p:nvPr>
+            <p:ph idx="1"/>
+          </p:nvPr>
+        </p:nvSpPr>
+        <p:spPr/>
+        <p:txBody>
+          <a:bodyPr/>
+          <a:p>
+            <a:r>
+              <a:rPr lang="zh-CN" altLang="en-US"/>
+              <a:t>下载：</a:t>
+            </a:r>
+            <a:endParaRPr lang="zh-CN" altLang="en-US"/>
+          </a:p>
+          <a:p>
+            <a:pPr lvl="1"/>
+            <a:r>
+              <a:rPr lang="zh-CN" altLang="en-US"/>
+              <a:t>https://www.enterprisedb.com/downloads/postgres-postgresql-downloads</a:t>
+            </a:r>
+            <a:endParaRPr lang="zh-CN" altLang="en-US"/>
+          </a:p>
+          <a:p>
+            <a:pPr lvl="0"/>
+            <a:r>
+              <a:rPr lang="zh-CN" altLang="en-US"/>
+              <a:t>客户端：</a:t>
+            </a:r>
+            <a:endParaRPr lang="zh-CN" altLang="en-US"/>
+          </a:p>
+          <a:p>
+            <a:pPr lvl="1"/>
+            <a:r>
+              <a:rPr lang="zh-CN" altLang="en-US"/>
+              <a:t>pgAdmin 4 v1</a:t>
+            </a:r>
+            <a:endParaRPr lang="zh-CN" altLang="en-US"/>
+          </a:p>
+          <a:p>
+            <a:pPr lvl="1"/>
+            <a:r>
+              <a:rPr lang="zh-CN" altLang="en-US"/>
+              <a:t>Navicat Premium 12</a:t>
+            </a:r>
+            <a:endParaRPr lang="zh-CN" altLang="en-US"/>
+          </a:p>
+        </p:txBody>
+      </p:sp>
+    </p:spTree>
+  </p:cSld>
+  <p:clrMapOvr>
+    <a:masterClrMapping/>
+  </p:clrMapOvr>
+</p:sld>
+</file>
+
+<file path=ppt/slides/slide6.xml><?xml version="1.0" encoding="utf-8"?>
+<p:sld xmlns:a="http://schemas.openxmlformats.org/drawingml/2006/main" xmlns:r="http://schemas.openxmlformats.org/officeDocument/2006/relationships" xmlns:p="http://schemas.openxmlformats.org/presentationml/2006/main">
+  <p:cSld>
+    <p:spTree>
+      <p:nvGrpSpPr>
+        <p:cNvPr id="1" name=""/>
+        <p:cNvGrpSpPr/>
+        <p:nvPr/>
+      </p:nvGrpSpPr>
+      <p:grpSpPr/>
+      <p:sp>
+        <p:nvSpPr>
+          <p:cNvPr id="2" name="标题 1"/>
+          <p:cNvSpPr>
+            <a:spLocks noGrp="1"/>
+          </p:cNvSpPr>
+          <p:nvPr>
+            <p:ph type="title"/>
+          </p:nvPr>
+        </p:nvSpPr>
+        <p:spPr/>
+        <p:txBody>
+          <a:bodyPr/>
+          <a:p>
+            <a:r>
+              <a:rPr lang="zh-CN" altLang="en-US"/>
+              <a:t>命令行界面</a:t>
+            </a:r>
+            <a:endParaRPr lang="zh-CN" altLang="en-US"/>
+          </a:p>
+        </p:txBody>
+      </p:sp>
+      <p:sp>
+        <p:nvSpPr>
+          <p:cNvPr id="3" name="内容占位符 2"/>
+          <p:cNvSpPr>
+            <a:spLocks noGrp="1"/>
+          </p:cNvSpPr>
+          <p:nvPr>
+            <p:ph idx="1"/>
+          </p:nvPr>
+        </p:nvSpPr>
+        <p:spPr/>
+        <p:txBody>
+          <a:bodyPr/>
+          <a:p>
+            <a:r>
+              <a:rPr lang="zh-CN" altLang="en-US"/>
+              <a:t>打开 SQL Shell(psql)</a:t>
+            </a:r>
+            <a:endParaRPr lang="zh-CN" altLang="en-US"/>
+          </a:p>
+          <a:p>
+            <a:endParaRPr lang="zh-CN" altLang="en-US"/>
+          </a:p>
+        </p:txBody>
+      </p:sp>
+      <p:grpSp>
+        <p:nvGrpSpPr>
+          <p:cNvPr id="8" name="组合 7"/>
+          <p:cNvGrpSpPr/>
+          <p:nvPr/>
+        </p:nvGrpSpPr>
+        <p:grpSpPr>
+          <a:xfrm>
+            <a:off x="1061720" y="1895475"/>
+            <a:ext cx="4799965" cy="3067050"/>
+            <a:chOff x="1868" y="3328"/>
+            <a:chExt cx="7559" cy="4830"/>
+          </a:xfrm>
+        </p:grpSpPr>
+        <p:pic>
+          <p:nvPicPr>
+            <p:cNvPr id="4" name="图片 3"/>
+            <p:cNvPicPr>
+              <a:picLocks noChangeAspect="1"/>
+            </p:cNvPicPr>
+            <p:nvPr/>
+          </p:nvPicPr>
+          <p:blipFill>
+            <a:blip r:embed="rId1"/>
+            <a:stretch>
+              <a:fillRect/>
+            </a:stretch>
+          </p:blipFill>
+          <p:spPr>
+            <a:xfrm>
+              <a:off x="1868" y="3328"/>
+              <a:ext cx="6720" cy="4830"/>
+            </a:xfrm>
+            <a:prstGeom prst="rect">
+              <a:avLst/>
+            </a:prstGeom>
+          </p:spPr>
+        </p:pic>
+        <p:sp>
+          <p:nvSpPr>
+            <p:cNvPr id="5" name="椭圆 4"/>
+            <p:cNvSpPr/>
+            <p:nvPr/>
+          </p:nvSpPr>
+          <p:spPr>
+            <a:xfrm>
+              <a:off x="6765" y="4371"/>
+              <a:ext cx="609" cy="609"/>
+            </a:xfrm>
+            <a:prstGeom prst="ellipse">
+              <a:avLst/>
+            </a:prstGeom>
+            <a:solidFill>
+              <a:srgbClr val="FF0000"/>
+            </a:solidFill>
+            <a:ln>
+              <a:solidFill>
+                <a:schemeClr val="bg1"/>
+              </a:solidFill>
+            </a:ln>
+          </p:spPr>
+          <p:style>
+            <a:lnRef idx="2">
+              <a:schemeClr val="accent1">
+                <a:shade val="50000"/>
+              </a:schemeClr>
+            </a:lnRef>
+            <a:fillRef idx="1">
+              <a:schemeClr val="accent1"/>
+            </a:fillRef>
+            <a:effectRef idx="0">
+              <a:schemeClr val="accent1"/>
+            </a:effectRef>
+            <a:fontRef idx="minor">
+              <a:schemeClr val="lt1"/>
+            </a:fontRef>
+          </p:style>
+          <p:txBody>
+            <a:bodyPr rtlCol="0" anchor="ctr"/>
+            <a:p>
+              <a:pPr algn="ctr"/>
+              <a:r>
+                <a:rPr lang="en-US" altLang="zh-CN">
+                  <a:solidFill>
+                    <a:schemeClr val="bg2"/>
+                  </a:solidFill>
+                  <a:uFillTx/>
+                </a:rPr>
+                <a:t>1</a:t>
+              </a:r>
+              <a:endParaRPr lang="en-US" altLang="zh-CN">
+                <a:solidFill>
+                  <a:schemeClr val="bg2"/>
+                </a:solidFill>
+                <a:uFillTx/>
+              </a:endParaRPr>
+            </a:p>
+          </p:txBody>
+        </p:sp>
+        <p:sp>
+          <p:nvSpPr>
+            <p:cNvPr id="6" name="椭圆 5"/>
+            <p:cNvSpPr/>
+            <p:nvPr/>
+          </p:nvSpPr>
+          <p:spPr>
+            <a:xfrm>
+              <a:off x="8819" y="6540"/>
+              <a:ext cx="609" cy="609"/>
+            </a:xfrm>
+            <a:prstGeom prst="ellipse">
+              <a:avLst/>
+            </a:prstGeom>
+            <a:solidFill>
+              <a:srgbClr val="FF0000"/>
+            </a:solidFill>
+            <a:ln>
+              <a:solidFill>
+                <a:schemeClr val="bg1"/>
+              </a:solidFill>
+            </a:ln>
+          </p:spPr>
+          <p:style>
+            <a:lnRef idx="2">
+              <a:schemeClr val="accent1">
+                <a:shade val="50000"/>
+              </a:schemeClr>
+            </a:lnRef>
+            <a:fillRef idx="1">
+              <a:schemeClr val="accent1"/>
+            </a:fillRef>
+            <a:effectRef idx="0">
+              <a:schemeClr val="accent1"/>
+            </a:effectRef>
+            <a:fontRef idx="minor">
+              <a:schemeClr val="lt1"/>
+            </a:fontRef>
+          </p:style>
+          <p:txBody>
+            <a:bodyPr rtlCol="0" anchor="ctr"/>
+            <a:p>
+              <a:pPr algn="ctr"/>
+              <a:r>
+                <a:rPr lang="en-US" altLang="zh-CN">
+                  <a:solidFill>
+                    <a:schemeClr val="bg2"/>
+                  </a:solidFill>
+                  <a:uFillTx/>
+                </a:rPr>
+                <a:t>12</a:t>
+              </a:r>
+              <a:endParaRPr lang="en-US" altLang="zh-CN">
+                <a:solidFill>
+                  <a:schemeClr val="bg2"/>
+                </a:solidFill>
+                <a:uFillTx/>
+              </a:endParaRPr>
+            </a:p>
+            <a:p>
+              <a:pPr algn="ctr"/>
+              <a:endParaRPr lang="en-US" altLang="zh-CN">
+                <a:solidFill>
+                  <a:schemeClr val="bg2"/>
+                </a:solidFill>
+                <a:uFillTx/>
+              </a:endParaRPr>
+            </a:p>
+          </p:txBody>
+        </p:sp>
+      </p:grpSp>
+    </p:spTree>
+  </p:cSld>
+  <p:clrMapOvr>
+    <a:masterClrMapping/>
+  </p:clrMapOvr>
+</p:sld>
+</file>
+
+<file path=ppt/slides/slide7.xml><?xml version="1.0" encoding="utf-8"?>
+<p:sld xmlns:a="http://schemas.openxmlformats.org/drawingml/2006/main" xmlns:r="http://schemas.openxmlformats.org/officeDocument/2006/relationships" xmlns:p="http://schemas.openxmlformats.org/presentationml/2006/main">
+  <p:cSld>
+    <p:spTree>
+      <p:nvGrpSpPr>
+        <p:cNvPr id="1" name=""/>
+        <p:cNvGrpSpPr/>
+        <p:nvPr/>
+      </p:nvGrpSpPr>
+      <p:grpSpPr/>
+      <p:sp>
+        <p:nvSpPr>
+          <p:cNvPr id="2" name="标题 1"/>
+          <p:cNvSpPr>
+            <a:spLocks noGrp="1"/>
+          </p:cNvSpPr>
+          <p:nvPr>
+            <p:ph type="title"/>
+          </p:nvPr>
+        </p:nvSpPr>
+        <p:spPr/>
+        <p:txBody>
+          <a:bodyPr/>
+          <a:p>
+            <a:r>
+              <a:rPr lang="zh-CN" altLang="en-US"/>
+              <a:t>图形</a:t>
+            </a:r>
+            <a:r>
+              <a:rPr lang="zh-CN" altLang="en-US"/>
+              <a:t>操作界面</a:t>
+            </a:r>
+            <a:endParaRPr lang="zh-CN" altLang="en-US"/>
+          </a:p>
+        </p:txBody>
+      </p:sp>
+      <p:pic>
+        <p:nvPicPr>
+          <p:cNvPr id="4" name="内容占位符 3"/>
+          <p:cNvPicPr>
+            <a:picLocks noChangeAspect="1"/>
+          </p:cNvPicPr>
+          <p:nvPr>
+            <p:ph idx="1"/>
+          </p:nvPr>
+        </p:nvPicPr>
+        <p:blipFill>
+          <a:blip r:embed="rId1"/>
+          <a:stretch>
+            <a:fillRect/>
+          </a:stretch>
+        </p:blipFill>
+        <p:spPr>
+          <a:xfrm>
+            <a:off x="669925" y="1038225"/>
+            <a:ext cx="8713470" cy="5388610"/>
+          </a:xfrm>
+          <a:prstGeom prst="rect">
+            <a:avLst/>
+          </a:prstGeom>
+        </p:spPr>
+      </p:pic>
+    </p:spTree>
+  </p:cSld>
+  <p:clrMapOvr>
+    <a:masterClrMapping/>
+  </p:clrMapOvr>
+</p:sld>
+</file>
+
+<file path=ppt/slides/slide8.xml><?xml version="1.0" encoding="utf-8"?>
+<p:sld xmlns:a="http://schemas.openxmlformats.org/drawingml/2006/main" xmlns:r="http://schemas.openxmlformats.org/officeDocument/2006/relationships" xmlns:p="http://schemas.openxmlformats.org/presentationml/2006/main">
+  <p:cSld>
+    <p:spTree>
+      <p:nvGrpSpPr>
+        <p:cNvPr id="1" name=""/>
+        <p:cNvGrpSpPr/>
+        <p:nvPr/>
+      </p:nvGrpSpPr>
+      <p:grpSpPr/>
+      <p:sp>
+        <p:nvSpPr>
+          <p:cNvPr id="2" name="标题 1"/>
+          <p:cNvSpPr>
+            <a:spLocks noGrp="1"/>
+          </p:cNvSpPr>
+          <p:nvPr>
+            <p:ph type="title"/>
+          </p:nvPr>
+        </p:nvSpPr>
+        <p:spPr/>
+        <p:txBody>
+          <a:bodyPr/>
+          <a:p>
+            <a:r>
+              <a:rPr lang="zh-CN" altLang="en-US"/>
+              <a:t>基础命令</a:t>
+            </a:r>
+            <a:endParaRPr lang="zh-CN" altLang="en-US"/>
+          </a:p>
+        </p:txBody>
+      </p:sp>
+      <p:sp>
+        <p:nvSpPr>
+          <p:cNvPr id="3" name="内容占位符 2"/>
+          <p:cNvSpPr>
+            <a:spLocks noGrp="1"/>
+          </p:cNvSpPr>
+          <p:nvPr>
+            <p:ph idx="1"/>
+          </p:nvPr>
+        </p:nvSpPr>
+        <p:spPr/>
+        <p:txBody>
+          <a:bodyPr/>
+          <a:p>
+            <a:r>
+              <a:rPr lang="en-US" altLang="zh-CN"/>
+              <a:t>\h	</a:t>
+            </a:r>
+            <a:r>
+              <a:t>进入</a:t>
+            </a:r>
+            <a:r>
+              <a:rPr lang="en-US" altLang="zh-CN"/>
+              <a:t>“help”</a:t>
+            </a:r>
+            <a:endParaRPr lang="zh-CN" altLang="en-US"/>
+          </a:p>
+          <a:p>
+            <a:r>
+              <a:rPr lang="en-US" altLang="zh-CN"/>
+              <a:t>\q      </a:t>
+            </a:r>
+            <a:r>
+              <a:t>退出命令行</a:t>
+            </a:r>
+            <a:endParaRPr lang="zh-CN" altLang="en-US"/>
+          </a:p>
+          <a:p>
+            <a:r>
+              <a:rPr lang="zh-CN" altLang="en-US"/>
+              <a:t>SELECT version();   </a:t>
+            </a:r>
+            <a:r>
+              <a:rPr lang="en-US" altLang="zh-CN"/>
+              <a:t>--</a:t>
+            </a:r>
+            <a:r>
+              <a:t>查询版本</a:t>
+            </a:r>
+          </a:p>
+          <a:p>
+            <a:r>
+              <a:rPr lang="en-US" altLang="zh-CN"/>
+              <a:t>SELECT now();  --</a:t>
+            </a:r>
+            <a:r>
+              <a:t>查询当前时间</a:t>
+            </a:r>
+          </a:p>
+          <a:p>
+            <a:r>
+              <a:rPr>
+                <a:sym typeface="+mn-ea"/>
+              </a:rPr>
+              <a:t>SELECT current_date; </a:t>
+            </a:r>
+            <a:r>
+              <a:rPr lang="en-US" altLang="zh-CN">
+                <a:sym typeface="+mn-ea"/>
+              </a:rPr>
+              <a:t>	 --</a:t>
+            </a:r>
+            <a:r>
+              <a:rPr>
+                <a:sym typeface="+mn-ea"/>
+              </a:rPr>
+              <a:t>查询日期</a:t>
+            </a:r>
+            <a:endParaRPr>
+              <a:sym typeface="+mn-ea"/>
+            </a:endParaRPr>
+          </a:p>
+          <a:p>
+            <a:endParaRPr lang="en-US" altLang="zh-CN"/>
+          </a:p>
+          <a:p/>
+        </p:txBody>
+      </p:sp>
+    </p:spTree>
+  </p:cSld>
+  <p:clrMapOvr>
+    <a:masterClrMapping/>
+  </p:clrMapOvr>
+</p:sld>
+</file>
+
+<file path=ppt/slides/slide9.xml><?xml version="1.0" encoding="utf-8"?>
+<p:sld xmlns:a="http://schemas.openxmlformats.org/drawingml/2006/main" xmlns:r="http://schemas.openxmlformats.org/officeDocument/2006/relationships" xmlns:p="http://schemas.openxmlformats.org/presentationml/2006/main">
+  <p:cSld>
+    <p:spTree>
+      <p:nvGrpSpPr>
+        <p:cNvPr id="1" name=""/>
+        <p:cNvGrpSpPr/>
+        <p:nvPr/>
+      </p:nvGrpSpPr>
+      <p:grpSpPr/>
+      <p:sp>
+        <p:nvSpPr>
+          <p:cNvPr id="2" name="标题 1"/>
+          <p:cNvSpPr>
+            <a:spLocks noGrp="1"/>
+          </p:cNvSpPr>
+          <p:nvPr>
+            <p:ph type="title"/>
+          </p:nvPr>
+        </p:nvSpPr>
+        <p:spPr/>
+        <p:txBody>
+          <a:bodyPr/>
+          <a:p>
+            <a:r>
+              <a:rPr lang="zh-CN" altLang="en-US"/>
+              <a:t>PostgreSQL 创建删除</a:t>
+            </a:r>
+            <a:r>
+              <a:rPr lang="zh-CN" altLang="en-US"/>
+              <a:t>数据库</a:t>
+            </a:r>
+            <a:endParaRPr lang="zh-CN" altLang="en-US"/>
+          </a:p>
+        </p:txBody>
+      </p:sp>
+      <p:sp>
+        <p:nvSpPr>
+          <p:cNvPr id="3" name="内容占位符 2"/>
+          <p:cNvSpPr>
+            <a:spLocks noGrp="1"/>
+          </p:cNvSpPr>
+          <p:nvPr>
+            <p:ph idx="1"/>
+          </p:nvPr>
+        </p:nvSpPr>
+        <p:spPr/>
+        <p:txBody>
+          <a:bodyPr/>
+          <a:p>
+            <a:r>
+              <a:rPr lang="zh-CN" altLang="en-US"/>
+              <a:t>CREATE DATABASE dbname;</a:t>
+            </a:r>
+            <a:endParaRPr lang="zh-CN" altLang="en-US"/>
+          </a:p>
+          <a:p>
+            <a:r>
+              <a:rPr lang="zh-CN" altLang="en-US"/>
+              <a:t>例如，我们创建一个 runoobdb 的数据库：</a:t>
+            </a:r>
+            <a:endParaRPr lang="zh-CN" altLang="en-US"/>
+          </a:p>
+          <a:p>
+            <a:r>
+              <a:rPr lang="zh-CN" altLang="en-US"/>
+              <a:t>postgres=# CREATE DATABASE runoobdb;</a:t>
+            </a:r>
+            <a:endParaRPr lang="zh-CN" altLang="en-US"/>
+          </a:p>
+          <a:p>
+            <a:endParaRPr lang="zh-CN" altLang="en-US"/>
+          </a:p>
+          <a:p>
+            <a:r>
+              <a:rPr lang="zh-CN" altLang="en-US"/>
+              <a:t>DROP DATABASE [ IF EXISTS ] name</a:t>
+            </a:r>
+            <a:endParaRPr lang="zh-CN" altLang="en-US"/>
+          </a:p>
+          <a:p>
+            <a:endParaRPr lang="zh-CN" altLang="en-US"/>
+          </a:p>
+          <a:p>
+            <a:r>
+              <a:rPr lang="zh-CN" altLang="en-US"/>
+              <a:t>例如，我们删除一个 runoobdb 的数据库：</a:t>
+            </a:r>
+            <a:endParaRPr lang="zh-CN" altLang="en-US"/>
+          </a:p>
+          <a:p>
+            <a:r>
+              <a:rPr lang="zh-CN" altLang="en-US"/>
+              <a:t>postgres=# DROP DATABASE runoobdb;</a:t>
+            </a:r>
+            <a:endParaRPr lang="zh-CN" altLang="en-US"/>
+          </a:p>
+          <a:p>
+            <a:endParaRPr lang="zh-CN" altLang="en-US"/>
+          </a:p>
+          <a:p>
+            <a:r>
+              <a:rPr lang="zh-CN" altLang="en-US">
+                <a:solidFill>
+                  <a:srgbClr val="FF0000"/>
+                </a:solidFill>
+              </a:rPr>
+              <a:t>使用 \l 用于查看已经存在的数据库：</a:t>
+            </a:r>
+            <a:endParaRPr lang="zh-CN" altLang="en-US">
+              <a:solidFill>
+                <a:srgbClr val="FF0000"/>
+              </a:solidFill>
+            </a:endParaRPr>
+          </a:p>
+          <a:p>
+            <a:r>
+              <a:rPr lang="zh-CN" altLang="en-US">
+                <a:solidFill>
+                  <a:srgbClr val="FF0000"/>
+                </a:solidFill>
+              </a:rPr>
+              <a:t>接下来我们可以使用 \c + 数据库名 来进入数据库：</a:t>
+            </a:r>
+            <a:endParaRPr lang="zh-CN" altLang="en-US">
+              <a:solidFill>
+                <a:srgbClr val="FF0000"/>
+              </a:solidFill>
+            </a:endParaRPr>
           </a:p>
         </p:txBody>
       </p:sp>
@@ -6861,4 +9564,263 @@
     </a:ext>
   </a:extLst>
 </a:theme>
+</file>
+
+<file path=ppt/theme/theme2.xml><?xml version="1.0" encoding="utf-8"?>
+<a:theme xmlns:a="http://schemas.openxmlformats.org/drawingml/2006/main" name="Office 主题">
+  <a:themeElements>
+    <a:clrScheme name="Office">
+      <a:dk1>
+        <a:sysClr val="windowText" lastClr="000000"/>
+      </a:dk1>
+      <a:lt1>
+        <a:sysClr val="window" lastClr="FFFFFF"/>
+      </a:lt1>
+      <a:dk2>
+        <a:srgbClr val="44546A"/>
+      </a:dk2>
+      <a:lt2>
+        <a:srgbClr val="E7E6E6"/>
+      </a:lt2>
+      <a:accent1>
+        <a:srgbClr val="5B9BD5"/>
+      </a:accent1>
+      <a:accent2>
+        <a:srgbClr val="ED7D31"/>
+      </a:accent2>
+      <a:accent3>
+        <a:srgbClr val="A5A5A5"/>
+      </a:accent3>
+      <a:accent4>
+        <a:srgbClr val="FFC000"/>
+      </a:accent4>
+      <a:accent5>
+        <a:srgbClr val="4472C4"/>
+      </a:accent5>
+      <a:accent6>
+        <a:srgbClr val="70AD47"/>
+      </a:accent6>
+      <a:hlink>
+        <a:srgbClr val="0563C1"/>
+      </a:hlink>
+      <a:folHlink>
+        <a:srgbClr val="954F72"/>
+      </a:folHlink>
+    </a:clrScheme>
+    <a:fontScheme name="Office">
+      <a:majorFont>
+        <a:latin typeface="Calibri Light"/>
+        <a:ea typeface=""/>
+        <a:cs typeface=""/>
+        <a:font script="Jpan" typeface="ＭＳ Ｐゴシック"/>
+        <a:font script="Hang" typeface="맑은 고딕"/>
+        <a:font script="Hans" typeface="宋体"/>
+        <a:font script="Hant" typeface="新細明體"/>
+        <a:font script="Arab" typeface="Times New Roman"/>
+        <a:font script="Hebr" typeface="Times New Roman"/>
+        <a:font script="Thai" typeface="Angsana New"/>
+        <a:font script="Ethi" typeface="Nyala"/>
+        <a:font script="Beng" typeface="Vrinda"/>
+        <a:font script="Gujr" typeface="Shruti"/>
+        <a:font script="Khmr" typeface="MoolBoran"/>
+        <a:font script="Knda" typeface="Tunga"/>
+        <a:font script="Guru" typeface="Raavi"/>
+        <a:font script="Cans" typeface="Euphemia"/>
+        <a:font script="Cher" typeface="Plantagenet Cherokee"/>
+        <a:font script="Yiii" typeface="Microsoft Yi Baiti"/>
+        <a:font script="Tibt" typeface="Microsoft Himalaya"/>
+        <a:font script="Thaa" typeface="MV Boli"/>
+        <a:font script="Deva" typeface="Mangal"/>
+        <a:font script="Telu" typeface="Gautami"/>
+        <a:font script="Taml" typeface="Latha"/>
+        <a:font script="Syrc" typeface="Estrangelo Edessa"/>
+        <a:font script="Orya" typeface="Kalinga"/>
+        <a:font script="Mlym" typeface="Kartika"/>
+        <a:font script="Laoo" typeface="DokChampa"/>
+        <a:font script="Sinh" typeface="Iskoola Pota"/>
+        <a:font script="Mong" typeface="Mongolian Baiti"/>
+        <a:font script="Viet" typeface="Times New Roman"/>
+        <a:font script="Uigh" typeface="Microsoft Uighur"/>
+        <a:font script="Geor" typeface="Sylfaen"/>
+      </a:majorFont>
+      <a:minorFont>
+        <a:latin typeface="Calibri"/>
+        <a:ea typeface=""/>
+        <a:cs typeface=""/>
+        <a:font script="Jpan" typeface="ＭＳ Ｐゴシック"/>
+        <a:font script="Hang" typeface="맑은 고딕"/>
+        <a:font script="Hans" typeface="宋体"/>
+        <a:font script="Hant" typeface="新細明體"/>
+        <a:font script="Arab" typeface="Arial"/>
+        <a:font script="Hebr" typeface="Arial"/>
+        <a:font script="Thai" typeface="Cordia New"/>
+        <a:font script="Ethi" typeface="Nyala"/>
+        <a:font script="Beng" typeface="Vrinda"/>
+        <a:font script="Gujr" typeface="Shruti"/>
+        <a:font script="Khmr" typeface="DaunPenh"/>
+        <a:font script="Knda" typeface="Tunga"/>
+        <a:font script="Guru" typeface="Raavi"/>
+        <a:font script="Cans" typeface="Euphemia"/>
+        <a:font script="Cher" typeface="Plantagenet Cherokee"/>
+        <a:font script="Yiii" typeface="Microsoft Yi Baiti"/>
+        <a:font script="Tibt" typeface="Microsoft Himalaya"/>
+        <a:font script="Thaa" typeface="MV Boli"/>
+        <a:font script="Deva" typeface="Mangal"/>
+        <a:font script="Telu" typeface="Gautami"/>
+        <a:font script="Taml" typeface="Latha"/>
+        <a:font script="Syrc" typeface="Estrangelo Edessa"/>
+        <a:font script="Orya" typeface="Kalinga"/>
+        <a:font script="Mlym" typeface="Kartika"/>
+        <a:font script="Laoo" typeface="DokChampa"/>
+        <a:font script="Sinh" typeface="Iskoola Pota"/>
+        <a:font script="Mong" typeface="Mongolian Baiti"/>
+        <a:font script="Viet" typeface="Arial"/>
+        <a:font script="Uigh" typeface="Microsoft Uighur"/>
+        <a:font script="Geor" typeface="Sylfaen"/>
+      </a:minorFont>
+    </a:fontScheme>
+    <a:fmtScheme name="Office">
+      <a:fillStyleLst>
+        <a:solidFill>
+          <a:schemeClr val="phClr"/>
+        </a:solidFill>
+        <a:gradFill rotWithShape="1">
+          <a:gsLst>
+            <a:gs pos="0">
+              <a:schemeClr val="phClr">
+                <a:lumMod val="110000"/>
+                <a:satMod val="105000"/>
+                <a:tint val="67000"/>
+              </a:schemeClr>
+            </a:gs>
+            <a:gs pos="50000">
+              <a:schemeClr val="phClr">
+                <a:lumMod val="105000"/>
+                <a:satMod val="103000"/>
+                <a:tint val="73000"/>
+              </a:schemeClr>
+            </a:gs>
+            <a:gs pos="100000">
+              <a:schemeClr val="phClr">
+                <a:lumMod val="105000"/>
+                <a:satMod val="109000"/>
+                <a:tint val="81000"/>
+              </a:schemeClr>
+            </a:gs>
+          </a:gsLst>
+          <a:lin ang="5400000" scaled="0"/>
+        </a:gradFill>
+        <a:gradFill rotWithShape="1">
+          <a:gsLst>
+            <a:gs pos="0">
+              <a:schemeClr val="phClr">
+                <a:satMod val="103000"/>
+                <a:lumMod val="102000"/>
+                <a:tint val="94000"/>
+              </a:schemeClr>
+            </a:gs>
+            <a:gs pos="50000">
+              <a:schemeClr val="phClr">
+                <a:satMod val="110000"/>
+                <a:lumMod val="100000"/>
+                <a:shade val="100000"/>
+              </a:schemeClr>
+            </a:gs>
+            <a:gs pos="100000">
+              <a:schemeClr val="phClr">
+                <a:lumMod val="99000"/>
+                <a:satMod val="120000"/>
+                <a:shade val="78000"/>
+              </a:schemeClr>
+            </a:gs>
+          </a:gsLst>
+          <a:lin ang="5400000" scaled="0"/>
+        </a:gradFill>
+      </a:fillStyleLst>
+      <a:lnStyleLst>
+        <a:ln w="6350" cap="flat" cmpd="sng" algn="ctr">
+          <a:solidFill>
+            <a:schemeClr val="phClr"/>
+          </a:solidFill>
+          <a:prstDash val="solid"/>
+          <a:miter lim="800000"/>
+        </a:ln>
+        <a:ln w="12700" cap="flat" cmpd="sng" algn="ctr">
+          <a:solidFill>
+            <a:schemeClr val="phClr"/>
+          </a:solidFill>
+          <a:prstDash val="solid"/>
+          <a:miter lim="800000"/>
+        </a:ln>
+        <a:ln w="19050" cap="flat" cmpd="sng" algn="ctr">
+          <a:solidFill>
+            <a:schemeClr val="phClr"/>
+          </a:solidFill>
+          <a:prstDash val="solid"/>
+          <a:miter lim="800000"/>
+        </a:ln>
+      </a:lnStyleLst>
+      <a:effectStyleLst>
+        <a:effectStyle>
+          <a:effectLst/>
+        </a:effectStyle>
+        <a:effectStyle>
+          <a:effectLst/>
+        </a:effectStyle>
+        <a:effectStyle>
+          <a:effectLst>
+            <a:outerShdw blurRad="57150" dist="19050" dir="5400000" algn="ctr" rotWithShape="0">
+              <a:srgbClr val="000000">
+                <a:alpha val="63000"/>
+              </a:srgbClr>
+            </a:outerShdw>
+          </a:effectLst>
+        </a:effectStyle>
+      </a:effectStyleLst>
+      <a:bgFillStyleLst>
+        <a:solidFill>
+          <a:schemeClr val="phClr"/>
+        </a:solidFill>
+        <a:solidFill>
+          <a:schemeClr val="phClr">
+            <a:tint val="95000"/>
+            <a:satMod val="170000"/>
+          </a:schemeClr>
+        </a:solidFill>
+        <a:gradFill rotWithShape="1">
+          <a:gsLst>
+            <a:gs pos="0">
+              <a:schemeClr val="phClr">
+                <a:tint val="93000"/>
+                <a:satMod val="150000"/>
+                <a:shade val="98000"/>
+                <a:lumMod val="102000"/>
+              </a:schemeClr>
+            </a:gs>
+            <a:gs pos="50000">
+              <a:schemeClr val="phClr">
+                <a:tint val="98000"/>
+                <a:satMod val="130000"/>
+                <a:shade val="90000"/>
+                <a:lumMod val="103000"/>
+              </a:schemeClr>
+            </a:gs>
+            <a:gs pos="100000">
+              <a:schemeClr val="phClr">
+                <a:shade val="63000"/>
+                <a:satMod val="120000"/>
+              </a:schemeClr>
+            </a:gs>
+          </a:gsLst>
+          <a:lin ang="5400000" scaled="0"/>
+        </a:gradFill>
+      </a:bgFillStyleLst>
+    </a:fmtScheme>
+  </a:themeElements>
+  <a:extLst>
+    <a:ext uri="{05A4C25C-085E-4340-85A3-A5531E510DB2}">
+      <thm15:themeFamily xmlns:thm15="http://schemas.microsoft.com/office/thememl/2012/main" name="Office Theme" id="{62F939B6-93AF-4DB8-9C6B-D6C7DFDC589F}" vid="{4A3C46E8-61CC-4603-A589-7422A47A8E4A}"/>
+    </a:ext>
+  </a:extLst>
+</a:theme>
 </file>